--- a/netflix/The era of Netflix.pptx
+++ b/netflix/The era of Netflix.pptx
@@ -10,6 +10,10 @@
     <p:sldId id="257" r:id="rId4"/>
     <p:sldId id="259" r:id="rId5"/>
     <p:sldId id="260" r:id="rId6"/>
+    <p:sldId id="261" r:id="rId7"/>
+    <p:sldId id="262" r:id="rId8"/>
+    <p:sldId id="263" r:id="rId9"/>
+    <p:sldId id="264" r:id="rId10"/>
   </p:sldIdLst>
   <p:sldSz cx="12192000" cy="6858000"/>
   <p:notesSz cx="6858000" cy="9144000"/>
@@ -108,6 +112,11 @@
       </a:defRPr>
     </a:lvl9pPr>
   </p:defaultTextStyle>
+  <p:extLst>
+    <p:ext uri="{EFAFB233-063F-42B5-8137-9DF3F51BA10A}">
+      <p15:sldGuideLst xmlns:p15="http://schemas.microsoft.com/office/powerpoint/2012/main"/>
+    </p:ext>
+  </p:extLst>
 </p:presentation>
 </file>
 
@@ -5901,7 +5910,7 @@
         <p:spPr/>
         <p:txBody>
           <a:bodyPr>
-            <a:normAutofit fontScale="92500" lnSpcReduction="20000"/>
+            <a:normAutofit fontScale="85000" lnSpcReduction="20000"/>
           </a:bodyPr>
           <a:lstStyle/>
           <a:p>
@@ -5913,17 +5922,28 @@
           <a:p>
             <a:r>
               <a:rPr lang="en-US" sz="1600" dirty="0" smtClean="0"/>
-              <a:t>In this project we have analyzed Netflix Movies and TV shows based on their Ratings, Countries, Budgets, and Revenues.</a:t>
-            </a:r>
-          </a:p>
-          <a:p>
+              <a:t>In this project we have analyzed Netflix Movies and TV shows based on their Ratings, Countries, Budgets, and Revenues</a:t>
+            </a:r>
             <a:r>
               <a:rPr lang="en-US" sz="1600" dirty="0" smtClean="0"/>
-              <a:t>Gathering these data was based on API connection to OMDB and TMDB.</a:t>
-            </a:r>
-          </a:p>
-          <a:p>
+              <a:t>.</a:t>
+            </a:r>
+          </a:p>
+          <a:p>
+            <a:pPr marL="0" indent="0">
+              <a:buNone/>
+            </a:pPr>
             <a:endParaRPr lang="en-US" sz="1600" dirty="0" smtClean="0"/>
+          </a:p>
+          <a:p>
+            <a:r>
+              <a:rPr lang="en-US" sz="1600" dirty="0" smtClean="0"/>
+              <a:t>Gathering </a:t>
+            </a:r>
+            <a:r>
+              <a:rPr lang="en-US" sz="1600" dirty="0" smtClean="0"/>
+              <a:t>these data was based on API connection to OMDB and TMDB.</a:t>
+            </a:r>
           </a:p>
           <a:p>
             <a:r>
@@ -5950,6 +5970,12 @@
             <a:endParaRPr lang="en-US" sz="1600" dirty="0" smtClean="0"/>
           </a:p>
           <a:p>
+            <a:pPr marL="0" indent="0">
+              <a:buNone/>
+            </a:pPr>
+            <a:endParaRPr lang="en-US" sz="1600" dirty="0" smtClean="0"/>
+          </a:p>
+          <a:p>
             <a:r>
               <a:rPr lang="en-US" sz="1600" dirty="0" smtClean="0"/>
               <a:t>Public </a:t>
@@ -6054,6 +6080,30 @@
           </a:p>
         </p:txBody>
       </p:sp>
+      <p:pic>
+        <p:nvPicPr>
+          <p:cNvPr id="4" name="Picture 3"/>
+          <p:cNvPicPr>
+            <a:picLocks noChangeAspect="1"/>
+          </p:cNvPicPr>
+          <p:nvPr/>
+        </p:nvPicPr>
+        <p:blipFill>
+          <a:blip r:embed="rId5"/>
+          <a:stretch>
+            <a:fillRect/>
+          </a:stretch>
+        </p:blipFill>
+        <p:spPr>
+          <a:xfrm>
+            <a:off x="1116932" y="4068509"/>
+            <a:ext cx="8001000" cy="276225"/>
+          </a:xfrm>
+          <a:prstGeom prst="rect">
+            <a:avLst/>
+          </a:prstGeom>
+        </p:spPr>
+      </p:pic>
     </p:spTree>
     <p:extLst>
       <p:ext uri="{BB962C8B-B14F-4D97-AF65-F5344CB8AC3E}">
@@ -6221,10 +6271,217 @@
         </p:nvSpPr>
         <p:spPr/>
         <p:txBody>
-          <a:bodyPr/>
-          <a:lstStyle/>
-          <a:p>
-            <a:endParaRPr lang="en-US"/>
+          <a:bodyPr>
+            <a:normAutofit fontScale="77500" lnSpcReduction="20000"/>
+          </a:bodyPr>
+          <a:lstStyle/>
+          <a:p>
+            <a:endParaRPr lang="en-US" sz="1600" dirty="0" smtClean="0"/>
+          </a:p>
+          <a:p>
+            <a:r>
+              <a:rPr lang="en-US" sz="1600" dirty="0" smtClean="0"/>
+              <a:t>Understanding </a:t>
+            </a:r>
+            <a:r>
+              <a:rPr lang="en-US" sz="1600" dirty="0"/>
+              <a:t>what content is available in different countries</a:t>
+            </a:r>
+          </a:p>
+          <a:p>
+            <a:pPr marL="0" indent="0">
+              <a:buNone/>
+            </a:pPr>
+            <a:r>
+              <a:rPr lang="en-US" sz="1600" dirty="0" smtClean="0"/>
+              <a:t>     *Based </a:t>
+            </a:r>
+            <a:r>
+              <a:rPr lang="en-US" sz="1600" dirty="0"/>
+              <a:t>on genre</a:t>
+            </a:r>
+          </a:p>
+          <a:p>
+            <a:r>
+              <a:rPr lang="en-US" sz="1600" dirty="0" smtClean="0"/>
+              <a:t>Network </a:t>
+            </a:r>
+            <a:r>
+              <a:rPr lang="en-US" sz="1600" dirty="0"/>
+              <a:t>analysis of Actors / Directors and find interesting insights</a:t>
+            </a:r>
+          </a:p>
+          <a:p>
+            <a:pPr marL="0" indent="0">
+              <a:buNone/>
+            </a:pPr>
+            <a:r>
+              <a:rPr lang="en-US" sz="1600" dirty="0" smtClean="0"/>
+              <a:t>     *Pair </a:t>
+            </a:r>
+            <a:r>
+              <a:rPr lang="en-US" sz="1600" dirty="0"/>
+              <a:t>of actors/directors appears together in most movies</a:t>
+            </a:r>
+          </a:p>
+          <a:p>
+            <a:r>
+              <a:rPr lang="en-US" sz="1600" dirty="0" smtClean="0"/>
+              <a:t>Is </a:t>
+            </a:r>
+            <a:r>
+              <a:rPr lang="en-US" sz="1600" dirty="0"/>
+              <a:t>Netflix has increasingly focusing on TV rather than movies in recent </a:t>
+            </a:r>
+            <a:r>
+              <a:rPr lang="en-US" sz="1600" dirty="0" smtClean="0"/>
+              <a:t>years</a:t>
+            </a:r>
+            <a:r>
+              <a:rPr lang="en-US" sz="1600" dirty="0"/>
+              <a:t>.</a:t>
+            </a:r>
+          </a:p>
+          <a:p>
+            <a:pPr marL="0" indent="0">
+              <a:buNone/>
+            </a:pPr>
+            <a:r>
+              <a:rPr lang="en-US" sz="1600" dirty="0" smtClean="0"/>
+              <a:t>    </a:t>
+            </a:r>
+            <a:r>
+              <a:rPr lang="en-US" sz="1600" dirty="0"/>
+              <a:t>*</a:t>
+            </a:r>
+            <a:r>
+              <a:rPr lang="en-US" sz="1600" dirty="0" smtClean="0"/>
+              <a:t>Number </a:t>
+            </a:r>
+            <a:r>
+              <a:rPr lang="en-US" sz="1600" dirty="0"/>
+              <a:t>of TV vs Movies per </a:t>
+            </a:r>
+            <a:r>
+              <a:rPr lang="en-US" sz="1600" dirty="0" smtClean="0"/>
+              <a:t>year</a:t>
+            </a:r>
+          </a:p>
+          <a:p>
+            <a:r>
+              <a:rPr lang="en-US" sz="1600" dirty="0"/>
+              <a:t>Graph of the countries that contribute producing movies for </a:t>
+            </a:r>
+            <a:r>
+              <a:rPr lang="en-US" sz="1600" dirty="0" err="1"/>
+              <a:t>NetFlix</a:t>
+            </a:r>
+            <a:endParaRPr lang="en-US" sz="1600" dirty="0"/>
+          </a:p>
+          <a:p>
+            <a:pPr marL="0" indent="0">
+              <a:buNone/>
+            </a:pPr>
+            <a:r>
+              <a:rPr lang="en-US" sz="1600" dirty="0"/>
+              <a:t>     *Heat graph for number of </a:t>
+            </a:r>
+            <a:r>
+              <a:rPr lang="en-US" sz="1600" dirty="0" smtClean="0"/>
+              <a:t>movies</a:t>
+            </a:r>
+          </a:p>
+          <a:p>
+            <a:r>
+              <a:rPr lang="en-US" sz="1600" dirty="0"/>
+              <a:t>Using API to enrich the movies data getting more information about the </a:t>
+            </a:r>
+          </a:p>
+          <a:p>
+            <a:pPr marL="0" indent="0">
+              <a:buNone/>
+            </a:pPr>
+            <a:r>
+              <a:rPr lang="en-US" sz="1600" dirty="0" smtClean="0"/>
+              <a:t>     movie </a:t>
+            </a:r>
+            <a:r>
+              <a:rPr lang="en-US" sz="1600" dirty="0"/>
+              <a:t>such as Reviews, Rating, top rated, the budget for the Movie </a:t>
+            </a:r>
+            <a:r>
+              <a:rPr lang="en-US" sz="1600" dirty="0" smtClean="0"/>
+              <a:t>and the </a:t>
+            </a:r>
+            <a:r>
+              <a:rPr lang="en-US" sz="1600" dirty="0"/>
+              <a:t>total money that the movie has generated</a:t>
+            </a:r>
+          </a:p>
+          <a:p>
+            <a:pPr marL="0" indent="0">
+              <a:buNone/>
+            </a:pPr>
+            <a:r>
+              <a:rPr lang="en-US" sz="1600" dirty="0" smtClean="0"/>
+              <a:t>     *</a:t>
+            </a:r>
+            <a:r>
+              <a:rPr lang="en-US" sz="1600" dirty="0"/>
+              <a:t>Top rated movies</a:t>
+            </a:r>
+          </a:p>
+          <a:p>
+            <a:pPr marL="0" indent="0">
+              <a:buNone/>
+            </a:pPr>
+            <a:r>
+              <a:rPr lang="en-US" sz="1600" dirty="0"/>
+              <a:t>       **Rating vs revenue</a:t>
+            </a:r>
+          </a:p>
+          <a:p>
+            <a:pPr marL="0" indent="0">
+              <a:buNone/>
+            </a:pPr>
+            <a:r>
+              <a:rPr lang="en-US" sz="1600" dirty="0"/>
+              <a:t>        **Genre vs revenue</a:t>
+            </a:r>
+          </a:p>
+          <a:p>
+            <a:pPr marL="0" indent="0">
+              <a:buNone/>
+            </a:pPr>
+            <a:endParaRPr lang="en-US" sz="1400" dirty="0" smtClean="0"/>
+          </a:p>
+          <a:p>
+            <a:r>
+              <a:rPr lang="en-US" sz="1400" dirty="0" smtClean="0"/>
+              <a:t> </a:t>
+            </a:r>
+            <a:endParaRPr lang="en-US" sz="1400" dirty="0"/>
+          </a:p>
+          <a:p>
+            <a:pPr marL="0" indent="0">
+              <a:buNone/>
+            </a:pPr>
+            <a:endParaRPr lang="en-US" sz="1400" dirty="0"/>
+          </a:p>
+          <a:p>
+            <a:pPr marL="0" indent="0">
+              <a:buNone/>
+            </a:pPr>
+            <a:endParaRPr lang="en-US" sz="1400" dirty="0" smtClean="0"/>
+          </a:p>
+          <a:p>
+            <a:pPr marL="0" indent="0">
+              <a:buNone/>
+            </a:pPr>
+            <a:endParaRPr lang="en-US" sz="1400" dirty="0" smtClean="0"/>
+          </a:p>
+          <a:p>
+            <a:endParaRPr lang="en-US" dirty="0"/>
           </a:p>
         </p:txBody>
       </p:sp>
@@ -6232,6 +6489,572 @@
     <p:extLst>
       <p:ext uri="{BB962C8B-B14F-4D97-AF65-F5344CB8AC3E}">
         <p14:creationId xmlns:p14="http://schemas.microsoft.com/office/powerpoint/2010/main" val="4217075949"/>
+      </p:ext>
+    </p:extLst>
+  </p:cSld>
+  <p:clrMapOvr>
+    <a:masterClrMapping/>
+  </p:clrMapOvr>
+</p:sld>
+</file>
+
+<file path=ppt/slides/slide6.xml><?xml version="1.0" encoding="utf-8"?>
+<p:sld xmlns:a="http://schemas.openxmlformats.org/drawingml/2006/main" xmlns:r="http://schemas.openxmlformats.org/officeDocument/2006/relationships" xmlns:p="http://schemas.openxmlformats.org/presentationml/2006/main">
+  <p:cSld>
+    <p:spTree>
+      <p:nvGrpSpPr>
+        <p:cNvPr id="1" name=""/>
+        <p:cNvGrpSpPr/>
+        <p:nvPr/>
+      </p:nvGrpSpPr>
+      <p:grpSpPr>
+        <a:xfrm>
+          <a:off x="0" y="0"/>
+          <a:ext cx="0" cy="0"/>
+          <a:chOff x="0" y="0"/>
+          <a:chExt cx="0" cy="0"/>
+        </a:xfrm>
+      </p:grpSpPr>
+      <p:sp>
+        <p:nvSpPr>
+          <p:cNvPr id="2" name="Title 1"/>
+          <p:cNvSpPr>
+            <a:spLocks noGrp="1"/>
+          </p:cNvSpPr>
+          <p:nvPr>
+            <p:ph type="title"/>
+          </p:nvPr>
+        </p:nvSpPr>
+        <p:spPr/>
+        <p:txBody>
+          <a:bodyPr/>
+          <a:lstStyle/>
+          <a:p>
+            <a:r>
+              <a:rPr lang="en-US" dirty="0"/>
+              <a:t>questions we have asked of the  data</a:t>
+            </a:r>
+          </a:p>
+        </p:txBody>
+      </p:sp>
+      <p:sp>
+        <p:nvSpPr>
+          <p:cNvPr id="3" name="Content Placeholder 2"/>
+          <p:cNvSpPr>
+            <a:spLocks noGrp="1"/>
+          </p:cNvSpPr>
+          <p:nvPr>
+            <p:ph idx="1"/>
+          </p:nvPr>
+        </p:nvSpPr>
+        <p:spPr/>
+        <p:txBody>
+          <a:bodyPr>
+            <a:normAutofit/>
+          </a:bodyPr>
+          <a:lstStyle/>
+          <a:p>
+            <a:r>
+              <a:rPr lang="en-US" sz="1400" dirty="0" smtClean="0"/>
+              <a:t>the </a:t>
+            </a:r>
+            <a:r>
+              <a:rPr lang="en-US" sz="1400" dirty="0"/>
+              <a:t>total money that the movie has generated</a:t>
+            </a:r>
+          </a:p>
+          <a:p>
+            <a:r>
+              <a:rPr lang="en-US" sz="1400" dirty="0"/>
+              <a:t>*</a:t>
+            </a:r>
+            <a:r>
+              <a:rPr lang="en-US" sz="1400" dirty="0" smtClean="0"/>
+              <a:t>Top </a:t>
+            </a:r>
+            <a:r>
+              <a:rPr lang="en-US" sz="1400" dirty="0"/>
+              <a:t>rated </a:t>
+            </a:r>
+            <a:r>
+              <a:rPr lang="en-US" sz="1400" dirty="0" smtClean="0"/>
+              <a:t>movies</a:t>
+            </a:r>
+            <a:endParaRPr lang="en-US" sz="1400" dirty="0"/>
+          </a:p>
+          <a:p>
+            <a:pPr marL="0" indent="0">
+              <a:buNone/>
+            </a:pPr>
+            <a:r>
+              <a:rPr lang="en-US" sz="1400" dirty="0" smtClean="0"/>
+              <a:t>       **Rating </a:t>
+            </a:r>
+            <a:r>
+              <a:rPr lang="en-US" sz="1400" dirty="0"/>
+              <a:t>vs </a:t>
+            </a:r>
+            <a:r>
+              <a:rPr lang="en-US" sz="1400" dirty="0" smtClean="0"/>
+              <a:t>revenue</a:t>
+            </a:r>
+            <a:endParaRPr lang="en-US" sz="1400" dirty="0"/>
+          </a:p>
+          <a:p>
+            <a:pPr marL="0" indent="0">
+              <a:buNone/>
+            </a:pPr>
+            <a:r>
+              <a:rPr lang="en-US" sz="1400" dirty="0" smtClean="0"/>
+              <a:t>        **Genre </a:t>
+            </a:r>
+            <a:r>
+              <a:rPr lang="en-US" sz="1400" dirty="0"/>
+              <a:t>vs </a:t>
+            </a:r>
+            <a:r>
+              <a:rPr lang="en-US" sz="1400" dirty="0" smtClean="0"/>
+              <a:t>revenue</a:t>
+            </a:r>
+          </a:p>
+          <a:p>
+            <a:r>
+              <a:rPr lang="en-US" sz="1400" dirty="0"/>
+              <a:t>Revenue based on different countries</a:t>
+            </a:r>
+          </a:p>
+          <a:p>
+            <a:pPr marL="0" indent="0">
+              <a:buNone/>
+            </a:pPr>
+            <a:r>
+              <a:rPr lang="en-US" sz="1400" dirty="0"/>
+              <a:t>      *Country vs revenue</a:t>
+            </a:r>
+          </a:p>
+          <a:p>
+            <a:r>
+              <a:rPr lang="en-US" sz="1400" dirty="0"/>
+              <a:t>Revenue vs budget</a:t>
+            </a:r>
+          </a:p>
+          <a:p>
+            <a:r>
+              <a:rPr lang="en-US" sz="1400" dirty="0"/>
+              <a:t>Revenue per season</a:t>
+            </a:r>
+          </a:p>
+          <a:p>
+            <a:r>
+              <a:rPr lang="en-US" sz="1400" dirty="0"/>
+              <a:t>Ratio of genres</a:t>
+            </a:r>
+          </a:p>
+          <a:p>
+            <a:r>
+              <a:rPr lang="en-US" sz="1400" dirty="0"/>
+              <a:t>Top 20 titles with highest revenue.</a:t>
+            </a:r>
+          </a:p>
+          <a:p>
+            <a:r>
+              <a:rPr lang="en-US" sz="1400" dirty="0"/>
+              <a:t>Relation between award wining and revenue</a:t>
+            </a:r>
+          </a:p>
+          <a:p>
+            <a:pPr marL="0" indent="0">
+              <a:buNone/>
+            </a:pPr>
+            <a:endParaRPr lang="en-US" sz="1400" dirty="0"/>
+          </a:p>
+          <a:p>
+            <a:endParaRPr lang="en-US" dirty="0"/>
+          </a:p>
+        </p:txBody>
+      </p:sp>
+    </p:spTree>
+    <p:extLst>
+      <p:ext uri="{BB962C8B-B14F-4D97-AF65-F5344CB8AC3E}">
+        <p14:creationId xmlns:p14="http://schemas.microsoft.com/office/powerpoint/2010/main" val="378580408"/>
+      </p:ext>
+    </p:extLst>
+  </p:cSld>
+  <p:clrMapOvr>
+    <a:masterClrMapping/>
+  </p:clrMapOvr>
+</p:sld>
+</file>
+
+<file path=ppt/slides/slide7.xml><?xml version="1.0" encoding="utf-8"?>
+<p:sld xmlns:a="http://schemas.openxmlformats.org/drawingml/2006/main" xmlns:r="http://schemas.openxmlformats.org/officeDocument/2006/relationships" xmlns:p="http://schemas.openxmlformats.org/presentationml/2006/main">
+  <p:cSld>
+    <p:spTree>
+      <p:nvGrpSpPr>
+        <p:cNvPr id="1" name=""/>
+        <p:cNvGrpSpPr/>
+        <p:nvPr/>
+      </p:nvGrpSpPr>
+      <p:grpSpPr>
+        <a:xfrm>
+          <a:off x="0" y="0"/>
+          <a:ext cx="0" cy="0"/>
+          <a:chOff x="0" y="0"/>
+          <a:chExt cx="0" cy="0"/>
+        </a:xfrm>
+      </p:grpSpPr>
+      <p:sp>
+        <p:nvSpPr>
+          <p:cNvPr id="2" name="Title 1"/>
+          <p:cNvSpPr>
+            <a:spLocks noGrp="1"/>
+          </p:cNvSpPr>
+          <p:nvPr>
+            <p:ph type="title"/>
+          </p:nvPr>
+        </p:nvSpPr>
+        <p:spPr/>
+        <p:txBody>
+          <a:bodyPr/>
+          <a:lstStyle/>
+          <a:p>
+            <a:r>
+              <a:rPr lang="en-US" dirty="0"/>
+              <a:t>questions we have asked of the  data</a:t>
+            </a:r>
+          </a:p>
+        </p:txBody>
+      </p:sp>
+      <p:sp>
+        <p:nvSpPr>
+          <p:cNvPr id="3" name="Content Placeholder 2"/>
+          <p:cNvSpPr>
+            <a:spLocks noGrp="1"/>
+          </p:cNvSpPr>
+          <p:nvPr>
+            <p:ph idx="1"/>
+          </p:nvPr>
+        </p:nvSpPr>
+        <p:spPr/>
+        <p:txBody>
+          <a:bodyPr>
+            <a:normAutofit/>
+          </a:bodyPr>
+          <a:lstStyle/>
+          <a:p>
+            <a:r>
+              <a:rPr lang="en-US" sz="1100" dirty="0"/>
+              <a:t>Revenue based on different countries</a:t>
+            </a:r>
+          </a:p>
+          <a:p>
+            <a:pPr marL="0" indent="0">
+              <a:buNone/>
+            </a:pPr>
+            <a:r>
+              <a:rPr lang="en-US" sz="1100" dirty="0" smtClean="0"/>
+              <a:t>      *Country </a:t>
+            </a:r>
+            <a:r>
+              <a:rPr lang="en-US" sz="1100" dirty="0"/>
+              <a:t>vs </a:t>
+            </a:r>
+            <a:r>
+              <a:rPr lang="en-US" sz="1100" dirty="0" smtClean="0"/>
+              <a:t>revenue</a:t>
+            </a:r>
+            <a:endParaRPr lang="en-US" sz="1100" dirty="0"/>
+          </a:p>
+          <a:p>
+            <a:r>
+              <a:rPr lang="en-US" sz="1100" dirty="0"/>
+              <a:t>Revenue vs </a:t>
+            </a:r>
+            <a:r>
+              <a:rPr lang="en-US" sz="1100" dirty="0" smtClean="0"/>
+              <a:t>budget</a:t>
+            </a:r>
+            <a:endParaRPr lang="en-US" sz="1100" dirty="0"/>
+          </a:p>
+          <a:p>
+            <a:r>
+              <a:rPr lang="en-US" sz="1100" dirty="0"/>
+              <a:t>Revenue per </a:t>
+            </a:r>
+            <a:r>
+              <a:rPr lang="en-US" sz="1100" dirty="0" smtClean="0"/>
+              <a:t>season</a:t>
+            </a:r>
+            <a:endParaRPr lang="en-US" sz="1100" dirty="0"/>
+          </a:p>
+          <a:p>
+            <a:r>
+              <a:rPr lang="en-US" sz="1100" dirty="0"/>
+              <a:t>Ratio of </a:t>
+            </a:r>
+            <a:r>
+              <a:rPr lang="en-US" sz="1100" dirty="0" smtClean="0"/>
+              <a:t>genres</a:t>
+            </a:r>
+            <a:endParaRPr lang="en-US" sz="1100" dirty="0"/>
+          </a:p>
+          <a:p>
+            <a:r>
+              <a:rPr lang="en-US" sz="1100" dirty="0"/>
+              <a:t>Top 20 titles with highest revenue</a:t>
+            </a:r>
+            <a:r>
+              <a:rPr lang="en-US" sz="1100" dirty="0" smtClean="0"/>
+              <a:t>.</a:t>
+            </a:r>
+            <a:endParaRPr lang="en-US" sz="1100" dirty="0"/>
+          </a:p>
+          <a:p>
+            <a:r>
+              <a:rPr lang="en-US" sz="1100" dirty="0"/>
+              <a:t>Relation between award wining and revenue</a:t>
+            </a:r>
+          </a:p>
+          <a:p>
+            <a:endParaRPr lang="en-US" dirty="0"/>
+          </a:p>
+        </p:txBody>
+      </p:sp>
+    </p:spTree>
+    <p:extLst>
+      <p:ext uri="{BB962C8B-B14F-4D97-AF65-F5344CB8AC3E}">
+        <p14:creationId xmlns:p14="http://schemas.microsoft.com/office/powerpoint/2010/main" val="168625603"/>
+      </p:ext>
+    </p:extLst>
+  </p:cSld>
+  <p:clrMapOvr>
+    <a:masterClrMapping/>
+  </p:clrMapOvr>
+</p:sld>
+</file>
+
+<file path=ppt/slides/slide8.xml><?xml version="1.0" encoding="utf-8"?>
+<p:sld xmlns:a="http://schemas.openxmlformats.org/drawingml/2006/main" xmlns:r="http://schemas.openxmlformats.org/officeDocument/2006/relationships" xmlns:p="http://schemas.openxmlformats.org/presentationml/2006/main">
+  <p:cSld>
+    <p:spTree>
+      <p:nvGrpSpPr>
+        <p:cNvPr id="1" name=""/>
+        <p:cNvGrpSpPr/>
+        <p:nvPr/>
+      </p:nvGrpSpPr>
+      <p:grpSpPr>
+        <a:xfrm>
+          <a:off x="0" y="0"/>
+          <a:ext cx="0" cy="0"/>
+          <a:chOff x="0" y="0"/>
+          <a:chExt cx="0" cy="0"/>
+        </a:xfrm>
+      </p:grpSpPr>
+      <p:sp>
+        <p:nvSpPr>
+          <p:cNvPr id="2" name="Title 1"/>
+          <p:cNvSpPr>
+            <a:spLocks noGrp="1"/>
+          </p:cNvSpPr>
+          <p:nvPr>
+            <p:ph type="title"/>
+          </p:nvPr>
+        </p:nvSpPr>
+        <p:spPr/>
+        <p:txBody>
+          <a:bodyPr/>
+          <a:lstStyle/>
+          <a:p>
+            <a:r>
+              <a:rPr lang="en-US" dirty="0" smtClean="0"/>
+              <a:t>API Connections</a:t>
+            </a:r>
+            <a:endParaRPr lang="en-US" dirty="0"/>
+          </a:p>
+        </p:txBody>
+      </p:sp>
+      <p:pic>
+        <p:nvPicPr>
+          <p:cNvPr id="6" name="Content Placeholder 5"/>
+          <p:cNvPicPr>
+            <a:picLocks noGrp="1" noChangeAspect="1"/>
+          </p:cNvPicPr>
+          <p:nvPr>
+            <p:ph idx="1"/>
+          </p:nvPr>
+        </p:nvPicPr>
+        <p:blipFill>
+          <a:blip r:embed="rId2"/>
+          <a:stretch>
+            <a:fillRect/>
+          </a:stretch>
+        </p:blipFill>
+        <p:spPr>
+          <a:xfrm>
+            <a:off x="334378" y="1870201"/>
+            <a:ext cx="4400550" cy="2409825"/>
+          </a:xfrm>
+          <a:prstGeom prst="rect">
+            <a:avLst/>
+          </a:prstGeom>
+        </p:spPr>
+      </p:pic>
+      <p:pic>
+        <p:nvPicPr>
+          <p:cNvPr id="7" name="Picture 6"/>
+          <p:cNvPicPr>
+            <a:picLocks noChangeAspect="1"/>
+          </p:cNvPicPr>
+          <p:nvPr/>
+        </p:nvPicPr>
+        <p:blipFill>
+          <a:blip r:embed="rId3"/>
+          <a:stretch>
+            <a:fillRect/>
+          </a:stretch>
+        </p:blipFill>
+        <p:spPr>
+          <a:xfrm>
+            <a:off x="677278" y="4345907"/>
+            <a:ext cx="3714750" cy="2383756"/>
+          </a:xfrm>
+          <a:prstGeom prst="rect">
+            <a:avLst/>
+          </a:prstGeom>
+        </p:spPr>
+      </p:pic>
+      <p:pic>
+        <p:nvPicPr>
+          <p:cNvPr id="8" name="Picture 7"/>
+          <p:cNvPicPr>
+            <a:picLocks noChangeAspect="1"/>
+          </p:cNvPicPr>
+          <p:nvPr/>
+        </p:nvPicPr>
+        <p:blipFill>
+          <a:blip r:embed="rId4"/>
+          <a:stretch>
+            <a:fillRect/>
+          </a:stretch>
+        </p:blipFill>
+        <p:spPr>
+          <a:xfrm>
+            <a:off x="5241506" y="2057401"/>
+            <a:ext cx="3762375" cy="4476750"/>
+          </a:xfrm>
+          <a:prstGeom prst="rect">
+            <a:avLst/>
+          </a:prstGeom>
+        </p:spPr>
+      </p:pic>
+    </p:spTree>
+    <p:extLst>
+      <p:ext uri="{BB962C8B-B14F-4D97-AF65-F5344CB8AC3E}">
+        <p14:creationId xmlns:p14="http://schemas.microsoft.com/office/powerpoint/2010/main" val="1474321994"/>
+      </p:ext>
+    </p:extLst>
+  </p:cSld>
+  <p:clrMapOvr>
+    <a:masterClrMapping/>
+  </p:clrMapOvr>
+</p:sld>
+</file>
+
+<file path=ppt/slides/slide9.xml><?xml version="1.0" encoding="utf-8"?>
+<p:sld xmlns:a="http://schemas.openxmlformats.org/drawingml/2006/main" xmlns:r="http://schemas.openxmlformats.org/officeDocument/2006/relationships" xmlns:p="http://schemas.openxmlformats.org/presentationml/2006/main">
+  <p:cSld>
+    <p:spTree>
+      <p:nvGrpSpPr>
+        <p:cNvPr id="1" name=""/>
+        <p:cNvGrpSpPr/>
+        <p:nvPr/>
+      </p:nvGrpSpPr>
+      <p:grpSpPr>
+        <a:xfrm>
+          <a:off x="0" y="0"/>
+          <a:ext cx="0" cy="0"/>
+          <a:chOff x="0" y="0"/>
+          <a:chExt cx="0" cy="0"/>
+        </a:xfrm>
+      </p:grpSpPr>
+      <p:sp>
+        <p:nvSpPr>
+          <p:cNvPr id="2" name="Title 1"/>
+          <p:cNvSpPr>
+            <a:spLocks noGrp="1"/>
+          </p:cNvSpPr>
+          <p:nvPr>
+            <p:ph type="title"/>
+          </p:nvPr>
+        </p:nvSpPr>
+        <p:spPr>
+          <a:xfrm>
+            <a:off x="2895600" y="764373"/>
+            <a:ext cx="8610600" cy="1200785"/>
+          </a:xfrm>
+        </p:spPr>
+        <p:txBody>
+          <a:bodyPr/>
+          <a:lstStyle/>
+          <a:p>
+            <a:endParaRPr lang="en-US" dirty="0"/>
+          </a:p>
+        </p:txBody>
+      </p:sp>
+      <p:pic>
+        <p:nvPicPr>
+          <p:cNvPr id="4" name="Content Placeholder 3"/>
+          <p:cNvPicPr>
+            <a:picLocks noGrp="1" noChangeAspect="1"/>
+          </p:cNvPicPr>
+          <p:nvPr>
+            <p:ph idx="1"/>
+          </p:nvPr>
+        </p:nvPicPr>
+        <p:blipFill>
+          <a:blip r:embed="rId2"/>
+          <a:stretch>
+            <a:fillRect/>
+          </a:stretch>
+        </p:blipFill>
+        <p:spPr>
+          <a:xfrm>
+            <a:off x="499855" y="2258094"/>
+            <a:ext cx="3590883" cy="3220286"/>
+          </a:xfrm>
+          <a:prstGeom prst="rect">
+            <a:avLst/>
+          </a:prstGeom>
+        </p:spPr>
+      </p:pic>
+      <p:pic>
+        <p:nvPicPr>
+          <p:cNvPr id="5" name="Picture 4"/>
+          <p:cNvPicPr>
+            <a:picLocks noChangeAspect="1"/>
+          </p:cNvPicPr>
+          <p:nvPr/>
+        </p:nvPicPr>
+        <p:blipFill>
+          <a:blip r:embed="rId3"/>
+          <a:stretch>
+            <a:fillRect/>
+          </a:stretch>
+        </p:blipFill>
+        <p:spPr>
+          <a:xfrm>
+            <a:off x="4275221" y="2057401"/>
+            <a:ext cx="7658100" cy="4695825"/>
+          </a:xfrm>
+          <a:prstGeom prst="rect">
+            <a:avLst/>
+          </a:prstGeom>
+        </p:spPr>
+      </p:pic>
+    </p:spTree>
+    <p:extLst>
+      <p:ext uri="{BB962C8B-B14F-4D97-AF65-F5344CB8AC3E}">
+        <p14:creationId xmlns:p14="http://schemas.microsoft.com/office/powerpoint/2010/main" val="3301250113"/>
       </p:ext>
     </p:extLst>
   </p:cSld>

--- a/netflix/The era of Netflix.pptx
+++ b/netflix/The era of Netflix.pptx
@@ -6,14 +6,15 @@
   </p:sldMasterIdLst>
   <p:sldIdLst>
     <p:sldId id="256" r:id="rId2"/>
-    <p:sldId id="258" r:id="rId3"/>
-    <p:sldId id="257" r:id="rId4"/>
-    <p:sldId id="259" r:id="rId5"/>
-    <p:sldId id="260" r:id="rId6"/>
-    <p:sldId id="261" r:id="rId7"/>
-    <p:sldId id="262" r:id="rId8"/>
-    <p:sldId id="263" r:id="rId9"/>
+    <p:sldId id="257" r:id="rId3"/>
+    <p:sldId id="260" r:id="rId4"/>
+    <p:sldId id="269" r:id="rId5"/>
+    <p:sldId id="265" r:id="rId6"/>
+    <p:sldId id="268" r:id="rId7"/>
+    <p:sldId id="270" r:id="rId8"/>
+    <p:sldId id="267" r:id="rId9"/>
     <p:sldId id="264" r:id="rId10"/>
+    <p:sldId id="271" r:id="rId11"/>
   </p:sldIdLst>
   <p:sldSz cx="12192000" cy="6858000"/>
   <p:notesSz cx="6858000" cy="9144000"/>
@@ -5680,14 +5681,197 @@
             <p:ph type="ctrTitle"/>
           </p:nvPr>
         </p:nvSpPr>
-        <p:spPr/>
-        <p:txBody>
-          <a:bodyPr/>
-          <a:lstStyle/>
-          <a:p>
+        <p:spPr>
+          <a:xfrm>
+            <a:off x="1371600" y="1058779"/>
+            <a:ext cx="9448800" cy="4628147"/>
+          </a:xfrm>
+        </p:spPr>
+        <p:txBody>
+          <a:bodyPr>
+            <a:normAutofit fontScale="90000"/>
+          </a:bodyPr>
+          <a:lstStyle/>
+          <a:p>
+            <a:pPr marL="1143000" indent="-1143000">
+              <a:buFont typeface="Arial" panose="020B0604020202020204" pitchFamily="34" charset="0"/>
+              <a:buChar char="•"/>
+            </a:pPr>
             <a:r>
               <a:rPr lang="en-US" dirty="0" smtClean="0"/>
-              <a:t>    The era of Netflix </a:t>
+              <a:t>    </a:t>
+            </a:r>
+            <a:r>
+              <a:rPr lang="en-US" dirty="0" smtClean="0"/>
+              <a:t/>
+            </a:r>
+            <a:br>
+              <a:rPr lang="en-US" dirty="0" smtClean="0"/>
+            </a:br>
+            <a:r>
+              <a:rPr lang="en-US" dirty="0"/>
+              <a:t/>
+            </a:r>
+            <a:br>
+              <a:rPr lang="en-US" dirty="0"/>
+            </a:br>
+            <a:r>
+              <a:rPr lang="en-US" dirty="0" smtClean="0"/>
+              <a:t/>
+            </a:r>
+            <a:br>
+              <a:rPr lang="en-US" dirty="0" smtClean="0"/>
+            </a:br>
+            <a:r>
+              <a:rPr lang="en-US" dirty="0" smtClean="0"/>
+              <a:t/>
+            </a:r>
+            <a:br>
+              <a:rPr lang="en-US" dirty="0" smtClean="0"/>
+            </a:br>
+            <a:r>
+              <a:rPr lang="en-US" dirty="0"/>
+              <a:t/>
+            </a:r>
+            <a:br>
+              <a:rPr lang="en-US" dirty="0"/>
+            </a:br>
+            <a:r>
+              <a:rPr lang="en-US" dirty="0" smtClean="0"/>
+              <a:t/>
+            </a:r>
+            <a:br>
+              <a:rPr lang="en-US" dirty="0" smtClean="0"/>
+            </a:br>
+            <a:r>
+              <a:rPr lang="en-US" dirty="0"/>
+              <a:t/>
+            </a:r>
+            <a:br>
+              <a:rPr lang="en-US" dirty="0"/>
+            </a:br>
+            <a:r>
+              <a:rPr lang="en-US" dirty="0" smtClean="0"/>
+              <a:t/>
+            </a:r>
+            <a:br>
+              <a:rPr lang="en-US" dirty="0" smtClean="0"/>
+            </a:br>
+            <a:r>
+              <a:rPr lang="en-US" dirty="0" smtClean="0"/>
+              <a:t>The </a:t>
+            </a:r>
+            <a:r>
+              <a:rPr lang="en-US" dirty="0" smtClean="0"/>
+              <a:t>era of Netflix </a:t>
+            </a:r>
+            <a:r>
+              <a:rPr lang="en-US" dirty="0" smtClean="0"/>
+              <a:t/>
+            </a:r>
+            <a:br>
+              <a:rPr lang="en-US" dirty="0" smtClean="0"/>
+            </a:br>
+            <a:r>
+              <a:rPr lang="en-US" dirty="0" smtClean="0"/>
+              <a:t/>
+            </a:r>
+            <a:br>
+              <a:rPr lang="en-US" dirty="0" smtClean="0"/>
+            </a:br>
+            <a:r>
+              <a:rPr lang="en-US" sz="1200" b="1" dirty="0" smtClean="0"/>
+              <a:t>Project team:</a:t>
+            </a:r>
+            <a:r>
+              <a:rPr lang="en-US" dirty="0" smtClean="0"/>
+              <a:t/>
+            </a:r>
+            <a:br>
+              <a:rPr lang="en-US" dirty="0" smtClean="0"/>
+            </a:br>
+            <a:r>
+              <a:rPr lang="en-US" sz="1100" dirty="0" smtClean="0"/>
+              <a:t>Ahmad </a:t>
+            </a:r>
+            <a:r>
+              <a:rPr lang="en-US" sz="1100" dirty="0"/>
+              <a:t>Abo </a:t>
+            </a:r>
+            <a:r>
+              <a:rPr lang="en-US" sz="1100" dirty="0" err="1"/>
+              <a:t>Alafa</a:t>
+            </a:r>
+            <a:r>
+              <a:rPr lang="en-US" sz="1100" dirty="0"/>
+              <a:t/>
+            </a:r>
+            <a:br>
+              <a:rPr lang="en-US" sz="1100" dirty="0"/>
+            </a:br>
+            <a:r>
+              <a:rPr lang="en-US" sz="1100" dirty="0" err="1"/>
+              <a:t>Loic</a:t>
+            </a:r>
+            <a:r>
+              <a:rPr lang="en-US" sz="1100" dirty="0"/>
+              <a:t> </a:t>
+            </a:r>
+            <a:r>
+              <a:rPr lang="en-US" sz="1100" dirty="0" err="1"/>
+              <a:t>Tiemani</a:t>
+            </a:r>
+            <a:r>
+              <a:rPr lang="en-US" sz="1100" dirty="0"/>
+              <a:t/>
+            </a:r>
+            <a:br>
+              <a:rPr lang="en-US" sz="1100" dirty="0"/>
+            </a:br>
+            <a:r>
+              <a:rPr lang="en-US" sz="1100" dirty="0" err="1"/>
+              <a:t>Hazim</a:t>
+            </a:r>
+            <a:r>
+              <a:rPr lang="en-US" sz="1100" dirty="0"/>
+              <a:t> </a:t>
+            </a:r>
+            <a:r>
+              <a:rPr lang="en-US" sz="1100" dirty="0" err="1"/>
+              <a:t>Hamadne</a:t>
+            </a:r>
+            <a:r>
+              <a:rPr lang="en-US" sz="1100" dirty="0"/>
+              <a:t/>
+            </a:r>
+            <a:br>
+              <a:rPr lang="en-US" sz="1100" dirty="0"/>
+            </a:br>
+            <a:r>
+              <a:rPr lang="en-US" sz="1100" dirty="0"/>
+              <a:t>Hamid </a:t>
+            </a:r>
+            <a:r>
+              <a:rPr lang="en-US" sz="1100" dirty="0" err="1"/>
+              <a:t>Zarringhalam</a:t>
+            </a:r>
+            <a:r>
+              <a:rPr lang="en-US" dirty="0"/>
+              <a:t/>
+            </a:r>
+            <a:br>
+              <a:rPr lang="en-US" dirty="0"/>
+            </a:br>
+            <a:r>
+              <a:rPr lang="en-US" dirty="0"/>
+              <a:t/>
+            </a:r>
+            <a:br>
+              <a:rPr lang="en-US" dirty="0"/>
+            </a:br>
+            <a:r>
+              <a:rPr lang="en-US" sz="1100" dirty="0" smtClean="0"/>
+              <a:t>	</a:t>
             </a:r>
             <a:endParaRPr lang="en-US" dirty="0"/>
           </a:p>
@@ -5709,7 +5893,7 @@
         </p:blipFill>
         <p:spPr>
           <a:xfrm>
-            <a:off x="2714374" y="1373855"/>
+            <a:off x="2449679" y="1058779"/>
             <a:ext cx="6410325" cy="1190625"/>
           </a:xfrm>
           <a:prstGeom prst="rect">
@@ -5721,6 +5905,205 @@
     <p:extLst>
       <p:ext uri="{BB962C8B-B14F-4D97-AF65-F5344CB8AC3E}">
         <p14:creationId xmlns:p14="http://schemas.microsoft.com/office/powerpoint/2010/main" val="2849088319"/>
+      </p:ext>
+    </p:extLst>
+  </p:cSld>
+  <p:clrMapOvr>
+    <a:masterClrMapping/>
+  </p:clrMapOvr>
+  <p:timing>
+    <p:tnLst>
+      <p:par>
+        <p:cTn id="1" dur="indefinite" restart="never" nodeType="tmRoot"/>
+      </p:par>
+    </p:tnLst>
+  </p:timing>
+</p:sld>
+</file>
+
+<file path=ppt/slides/slide10.xml><?xml version="1.0" encoding="utf-8"?>
+<p:sld xmlns:a="http://schemas.openxmlformats.org/drawingml/2006/main" xmlns:r="http://schemas.openxmlformats.org/officeDocument/2006/relationships" xmlns:p="http://schemas.openxmlformats.org/presentationml/2006/main">
+  <p:cSld>
+    <p:spTree>
+      <p:nvGrpSpPr>
+        <p:cNvPr id="1" name=""/>
+        <p:cNvGrpSpPr/>
+        <p:nvPr/>
+      </p:nvGrpSpPr>
+      <p:grpSpPr>
+        <a:xfrm>
+          <a:off x="0" y="0"/>
+          <a:ext cx="0" cy="0"/>
+          <a:chOff x="0" y="0"/>
+          <a:chExt cx="0" cy="0"/>
+        </a:xfrm>
+      </p:grpSpPr>
+      <p:sp>
+        <p:nvSpPr>
+          <p:cNvPr id="2" name="Title 1"/>
+          <p:cNvSpPr>
+            <a:spLocks noGrp="1"/>
+          </p:cNvSpPr>
+          <p:nvPr>
+            <p:ph type="title"/>
+          </p:nvPr>
+        </p:nvSpPr>
+        <p:spPr/>
+        <p:txBody>
+          <a:bodyPr/>
+          <a:lstStyle/>
+          <a:p>
+            <a:r>
+              <a:rPr lang="en-US" dirty="0" smtClean="0"/>
+              <a:t>Challenges</a:t>
+            </a:r>
+            <a:endParaRPr lang="en-US" dirty="0"/>
+          </a:p>
+        </p:txBody>
+      </p:sp>
+      <p:sp>
+        <p:nvSpPr>
+          <p:cNvPr id="3" name="Content Placeholder 2"/>
+          <p:cNvSpPr>
+            <a:spLocks noGrp="1"/>
+          </p:cNvSpPr>
+          <p:nvPr>
+            <p:ph idx="1"/>
+          </p:nvPr>
+        </p:nvSpPr>
+        <p:spPr>
+          <a:xfrm>
+            <a:off x="685800" y="2194560"/>
+            <a:ext cx="10820400" cy="981777"/>
+          </a:xfrm>
+        </p:spPr>
+        <p:txBody>
+          <a:bodyPr/>
+          <a:lstStyle/>
+          <a:p>
+            <a:r>
+              <a:rPr lang="en-US" dirty="0" smtClean="0"/>
+              <a:t>Missing Data and no access to some resources such as </a:t>
+            </a:r>
+          </a:p>
+          <a:p>
+            <a:r>
+              <a:rPr lang="en-US" dirty="0" smtClean="0"/>
+              <a:t>Historical Data before 2016 is not available</a:t>
+            </a:r>
+          </a:p>
+          <a:p>
+            <a:endParaRPr lang="en-US" dirty="0" smtClean="0"/>
+          </a:p>
+        </p:txBody>
+      </p:sp>
+      <p:sp>
+        <p:nvSpPr>
+          <p:cNvPr id="4" name="TextBox 3"/>
+          <p:cNvSpPr txBox="1"/>
+          <p:nvPr/>
+        </p:nvSpPr>
+        <p:spPr>
+          <a:xfrm>
+            <a:off x="685800" y="4612099"/>
+            <a:ext cx="9633284" cy="1200329"/>
+          </a:xfrm>
+          <a:prstGeom prst="rect">
+            <a:avLst/>
+          </a:prstGeom>
+          <a:noFill/>
+        </p:spPr>
+        <p:txBody>
+          <a:bodyPr wrap="square" rtlCol="0">
+            <a:spAutoFit/>
+          </a:bodyPr>
+          <a:lstStyle/>
+          <a:p>
+            <a:pPr marL="285750" indent="-285750">
+              <a:buFont typeface="Arial" panose="020B0604020202020204" pitchFamily="34" charset="0"/>
+              <a:buChar char="•"/>
+            </a:pPr>
+            <a:r>
+              <a:rPr lang="en-US" dirty="0" smtClean="0"/>
+              <a:t>Migrating </a:t>
+            </a:r>
+            <a:r>
+              <a:rPr lang="en-US" dirty="0"/>
+              <a:t>data to SQL DB</a:t>
+            </a:r>
+          </a:p>
+          <a:p>
+            <a:pPr marL="285750" indent="-285750">
+              <a:buFont typeface="Arial" panose="020B0604020202020204" pitchFamily="34" charset="0"/>
+              <a:buChar char="•"/>
+            </a:pPr>
+            <a:r>
+              <a:rPr lang="en-US" dirty="0"/>
+              <a:t>Use more sources to fill the missing data.</a:t>
+            </a:r>
+          </a:p>
+          <a:p>
+            <a:pPr marL="285750" indent="-285750">
+              <a:buFont typeface="Arial" panose="020B0604020202020204" pitchFamily="34" charset="0"/>
+              <a:buChar char="•"/>
+            </a:pPr>
+            <a:r>
+              <a:rPr lang="en-US" dirty="0"/>
+              <a:t>Prepare the data to be published in the Web</a:t>
+            </a:r>
+          </a:p>
+          <a:p>
+            <a:pPr marL="285750" indent="-285750">
+              <a:buFont typeface="Arial" panose="020B0604020202020204" pitchFamily="34" charset="0"/>
+              <a:buChar char="•"/>
+            </a:pPr>
+            <a:r>
+              <a:rPr lang="en-US" dirty="0"/>
+              <a:t>Use machine learning to correlate and analyze the data</a:t>
+            </a:r>
+            <a:r>
+              <a:rPr lang="en-US" dirty="0" smtClean="0"/>
+              <a:t>.</a:t>
+            </a:r>
+            <a:endParaRPr lang="en-US" dirty="0"/>
+          </a:p>
+        </p:txBody>
+      </p:sp>
+      <p:sp>
+        <p:nvSpPr>
+          <p:cNvPr id="5" name="TextBox 4"/>
+          <p:cNvSpPr txBox="1"/>
+          <p:nvPr/>
+        </p:nvSpPr>
+        <p:spPr>
+          <a:xfrm>
+            <a:off x="5919537" y="3368841"/>
+            <a:ext cx="5743074" cy="707886"/>
+          </a:xfrm>
+          <a:prstGeom prst="rect">
+            <a:avLst/>
+          </a:prstGeom>
+          <a:noFill/>
+        </p:spPr>
+        <p:txBody>
+          <a:bodyPr wrap="square" rtlCol="0">
+            <a:spAutoFit/>
+          </a:bodyPr>
+          <a:lstStyle/>
+          <a:p>
+            <a:pPr algn="r"/>
+            <a:r>
+              <a:rPr lang="en-US" sz="4000" dirty="0" smtClean="0"/>
+              <a:t>Future Plans</a:t>
+            </a:r>
+            <a:endParaRPr lang="en-US" sz="4000" dirty="0"/>
+          </a:p>
+        </p:txBody>
+      </p:sp>
+    </p:spTree>
+    <p:extLst>
+      <p:ext uri="{BB962C8B-B14F-4D97-AF65-F5344CB8AC3E}">
+        <p14:creationId xmlns:p14="http://schemas.microsoft.com/office/powerpoint/2010/main" val="2253169575"/>
       </p:ext>
     </p:extLst>
   </p:cSld>
@@ -5764,7 +6147,7 @@
           <a:p>
             <a:r>
               <a:rPr lang="en-US" dirty="0" smtClean="0"/>
-              <a:t>Project Team</a:t>
+              <a:t>Purpose of the Project</a:t>
             </a:r>
             <a:endParaRPr lang="en-US" dirty="0"/>
           </a:p>
@@ -5782,7 +6165,9 @@
         </p:nvSpPr>
         <p:spPr/>
         <p:txBody>
-          <a:bodyPr/>
+          <a:bodyPr>
+            <a:normAutofit fontScale="70000" lnSpcReduction="20000"/>
+          </a:bodyPr>
           <a:lstStyle/>
           <a:p>
             <a:endParaRPr lang="en-US" dirty="0" smtClean="0"/>
@@ -5792,68 +6177,246 @@
           </a:p>
           <a:p>
             <a:r>
-              <a:rPr lang="en-US" dirty="0" smtClean="0"/>
-              <a:t>Ahmad Abo </a:t>
-            </a:r>
-            <a:r>
-              <a:rPr lang="en-US" dirty="0" err="1" smtClean="0"/>
-              <a:t>Alafa</a:t>
-            </a:r>
+              <a:rPr lang="en-US" sz="1600" dirty="0" smtClean="0"/>
+              <a:t>In this project we have analyzed Netflix Movies and TV shows based on their Ratings, Countries, Budgets, and Revenues.</a:t>
+            </a:r>
+          </a:p>
+          <a:p>
+            <a:pPr marL="0" indent="0">
+              <a:buNone/>
+            </a:pPr>
+            <a:endParaRPr lang="en-US" sz="1600" dirty="0" smtClean="0"/>
+          </a:p>
+          <a:p>
+            <a:r>
+              <a:rPr lang="en-US" sz="1600" dirty="0" smtClean="0">
+                <a:hlinkClick r:id="rId2"/>
+              </a:rPr>
+              <a:t>https</a:t>
+            </a:r>
+            <a:r>
+              <a:rPr lang="en-US" sz="1600" dirty="0">
+                <a:hlinkClick r:id="rId2"/>
+              </a:rPr>
+              <a:t>://</a:t>
+            </a:r>
+            <a:r>
+              <a:rPr lang="en-US" sz="1600" dirty="0" smtClean="0">
+                <a:hlinkClick r:id="rId2"/>
+              </a:rPr>
+              <a:t>www.kaggle.com/shivamb/netflix-shows?select=netflix_titles.csv</a:t>
+            </a:r>
+            <a:endParaRPr lang="en-US" sz="1600" dirty="0" smtClean="0"/>
+          </a:p>
+          <a:p>
+            <a:endParaRPr lang="en-US" sz="1600" dirty="0" smtClean="0"/>
+          </a:p>
+          <a:p>
+            <a:pPr marL="0" indent="0">
+              <a:buNone/>
+            </a:pPr>
+            <a:endParaRPr lang="en-US" sz="1600" dirty="0" smtClean="0"/>
+          </a:p>
+          <a:p>
+            <a:r>
+              <a:rPr lang="en-US" sz="1600" dirty="0" smtClean="0"/>
+              <a:t>The </a:t>
+            </a:r>
+            <a:r>
+              <a:rPr lang="en-US" sz="1600" dirty="0"/>
+              <a:t>kind of data we worked with is Netflix data till year 2019</a:t>
+            </a:r>
+          </a:p>
+          <a:p>
+            <a:r>
+              <a:rPr lang="en-US" sz="1600" dirty="0" smtClean="0"/>
+              <a:t>Data Enrichment using </a:t>
+            </a:r>
+            <a:r>
+              <a:rPr lang="en-US" sz="1600" dirty="0"/>
+              <a:t>these </a:t>
+            </a:r>
+            <a:r>
+              <a:rPr lang="en-US" sz="1600" dirty="0" smtClean="0"/>
+              <a:t>the following data sources:</a:t>
+            </a:r>
+          </a:p>
+          <a:p>
+            <a:pPr marL="0" indent="0">
+              <a:buNone/>
+            </a:pPr>
+            <a:endParaRPr lang="en-US" sz="1600" dirty="0"/>
+          </a:p>
+          <a:p>
+            <a:r>
+              <a:rPr lang="en-US" sz="1600" dirty="0" smtClean="0"/>
+              <a:t>Public </a:t>
+            </a:r>
+            <a:r>
+              <a:rPr lang="en-US" sz="1600" dirty="0"/>
+              <a:t>movie APIs</a:t>
+            </a:r>
+            <a:r>
+              <a:rPr lang="en-US" sz="1600" dirty="0" smtClean="0"/>
+              <a:t>:</a:t>
+            </a:r>
+            <a:endParaRPr lang="en-US" sz="1600" dirty="0"/>
+          </a:p>
+          <a:p>
+            <a:r>
+              <a:rPr lang="en-US" sz="1600" dirty="0"/>
+              <a:t>OMDB - </a:t>
+            </a:r>
+            <a:r>
+              <a:rPr lang="en-US" sz="1600" dirty="0" smtClean="0"/>
+              <a:t>OMDB </a:t>
+            </a:r>
+            <a:r>
+              <a:rPr lang="en-US" sz="1600" dirty="0"/>
+              <a:t>to obtain information and metadata about movies</a:t>
+            </a:r>
+            <a:r>
+              <a:rPr lang="en-US" sz="1600" dirty="0" smtClean="0"/>
+              <a:t>.</a:t>
+            </a:r>
+          </a:p>
+          <a:p>
+            <a:r>
+              <a:rPr lang="en-US" sz="1600" dirty="0">
+                <a:hlinkClick r:id="rId3"/>
+              </a:rPr>
+              <a:t>http://www.omdbapi.com/?apikey={api_key}&amp;t</a:t>
+            </a:r>
+            <a:r>
+              <a:rPr lang="en-US" sz="1600" dirty="0"/>
+              <a:t>=</a:t>
+            </a:r>
+          </a:p>
+          <a:p>
+            <a:pPr marL="0" indent="0">
+              <a:buNone/>
+            </a:pPr>
+            <a:endParaRPr lang="en-US" sz="1600" dirty="0"/>
+          </a:p>
+          <a:p>
+            <a:r>
+              <a:rPr lang="en-US" sz="1600" dirty="0" smtClean="0"/>
+              <a:t>TMDB </a:t>
+            </a:r>
+            <a:r>
+              <a:rPr lang="en-US" sz="1600" dirty="0"/>
+              <a:t>- </a:t>
+            </a:r>
+            <a:r>
+              <a:rPr lang="en-US" sz="1600" dirty="0" smtClean="0"/>
+              <a:t>TMDB </a:t>
+            </a:r>
+            <a:r>
+              <a:rPr lang="en-US" sz="1600" dirty="0"/>
+              <a:t>for movie discovery</a:t>
+            </a:r>
+            <a:r>
+              <a:rPr lang="en-US" sz="1600" dirty="0" smtClean="0"/>
+              <a:t>.</a:t>
+            </a:r>
+          </a:p>
+          <a:p>
+            <a:r>
+              <a:rPr lang="en-US" sz="1600" dirty="0" smtClean="0">
+                <a:hlinkClick r:id="rId4"/>
+              </a:rPr>
+              <a:t>https</a:t>
+            </a:r>
+            <a:r>
+              <a:rPr lang="en-US" sz="1600" dirty="0">
+                <a:hlinkClick r:id="rId4"/>
+              </a:rPr>
+              <a:t>://</a:t>
+            </a:r>
+            <a:r>
+              <a:rPr lang="en-US" sz="1600" dirty="0" smtClean="0">
+                <a:hlinkClick r:id="rId4"/>
+              </a:rPr>
+              <a:t>api.themoviedb.org</a:t>
+            </a:r>
+            <a:endParaRPr lang="en-US" sz="1600" dirty="0" smtClean="0"/>
+          </a:p>
+          <a:p>
             <a:endParaRPr lang="en-US" dirty="0" smtClean="0"/>
           </a:p>
           <a:p>
-            <a:r>
-              <a:rPr lang="en-US" dirty="0" err="1" smtClean="0"/>
-              <a:t>Loic</a:t>
-            </a:r>
-            <a:r>
-              <a:rPr lang="en-US" dirty="0" smtClean="0"/>
-              <a:t> </a:t>
-            </a:r>
-            <a:r>
-              <a:rPr lang="en-US" dirty="0" err="1" smtClean="0"/>
-              <a:t>Tiemani</a:t>
-            </a:r>
-            <a:endParaRPr lang="en-US" dirty="0" smtClean="0"/>
-          </a:p>
-          <a:p>
-            <a:r>
-              <a:rPr lang="en-US" dirty="0" err="1" smtClean="0"/>
-              <a:t>Hazim</a:t>
-            </a:r>
-            <a:r>
-              <a:rPr lang="en-US" dirty="0" smtClean="0"/>
-              <a:t> </a:t>
-            </a:r>
-            <a:r>
-              <a:rPr lang="en-US" dirty="0" err="1" smtClean="0"/>
-              <a:t>Hamadne</a:t>
-            </a:r>
-            <a:endParaRPr lang="en-US" dirty="0" smtClean="0"/>
-          </a:p>
-          <a:p>
-            <a:r>
-              <a:rPr lang="en-US" dirty="0" smtClean="0"/>
-              <a:t>Hamid </a:t>
-            </a:r>
-            <a:r>
-              <a:rPr lang="en-US" dirty="0" err="1" smtClean="0"/>
-              <a:t>Zarringhalam</a:t>
-            </a:r>
-            <a:endParaRPr lang="en-US" dirty="0"/>
-          </a:p>
-        </p:txBody>
-      </p:sp>
+            <a:pPr marL="0" indent="0">
+              <a:buNone/>
+            </a:pPr>
+            <a:endParaRPr lang="en-US" dirty="0"/>
+          </a:p>
+        </p:txBody>
+      </p:sp>
+      <p:pic>
+        <p:nvPicPr>
+          <p:cNvPr id="4" name="Picture 3"/>
+          <p:cNvPicPr>
+            <a:picLocks noChangeAspect="1"/>
+          </p:cNvPicPr>
+          <p:nvPr/>
+        </p:nvPicPr>
+        <p:blipFill>
+          <a:blip r:embed="rId5"/>
+          <a:stretch>
+            <a:fillRect/>
+          </a:stretch>
+        </p:blipFill>
+        <p:spPr>
+          <a:xfrm>
+            <a:off x="1028700" y="3675477"/>
+            <a:ext cx="8001000" cy="276225"/>
+          </a:xfrm>
+          <a:prstGeom prst="rect">
+            <a:avLst/>
+          </a:prstGeom>
+        </p:spPr>
+      </p:pic>
+      <p:pic>
+        <p:nvPicPr>
+          <p:cNvPr id="5" name="Picture 4"/>
+          <p:cNvPicPr>
+            <a:picLocks noChangeAspect="1"/>
+          </p:cNvPicPr>
+          <p:nvPr/>
+        </p:nvPicPr>
+        <p:blipFill>
+          <a:blip r:embed="rId6"/>
+          <a:stretch>
+            <a:fillRect/>
+          </a:stretch>
+        </p:blipFill>
+        <p:spPr>
+          <a:xfrm>
+            <a:off x="1028700" y="4447173"/>
+            <a:ext cx="10801350" cy="209550"/>
+          </a:xfrm>
+          <a:prstGeom prst="rect">
+            <a:avLst/>
+          </a:prstGeom>
+        </p:spPr>
+      </p:pic>
     </p:spTree>
     <p:extLst>
       <p:ext uri="{BB962C8B-B14F-4D97-AF65-F5344CB8AC3E}">
-        <p14:creationId xmlns:p14="http://schemas.microsoft.com/office/powerpoint/2010/main" val="2190145126"/>
+        <p14:creationId xmlns:p14="http://schemas.microsoft.com/office/powerpoint/2010/main" val="2080170622"/>
       </p:ext>
     </p:extLst>
   </p:cSld>
   <p:clrMapOvr>
     <a:masterClrMapping/>
   </p:clrMapOvr>
+  <p:timing>
+    <p:tnLst>
+      <p:par>
+        <p:cTn id="1" dur="indefinite" restart="never" nodeType="tmRoot"/>
+      </p:par>
+    </p:tnLst>
+  </p:timing>
 </p:sld>
 </file>
 
@@ -5890,10 +6453,9 @@
           <a:lstStyle/>
           <a:p>
             <a:r>
-              <a:rPr lang="en-US" dirty="0" smtClean="0"/>
-              <a:t>Purpose of the Project</a:t>
-            </a:r>
-            <a:endParaRPr lang="en-US" dirty="0"/>
+              <a:rPr lang="en-US" dirty="0"/>
+              <a:t>questions we have asked of the  data</a:t>
+            </a:r>
           </a:p>
         </p:txBody>
       </p:sp>
@@ -5910,210 +6472,147 @@
         <p:spPr/>
         <p:txBody>
           <a:bodyPr>
-            <a:normAutofit fontScale="85000" lnSpcReduction="20000"/>
+            <a:normAutofit/>
           </a:bodyPr>
           <a:lstStyle/>
           <a:p>
-            <a:endParaRPr lang="en-US" dirty="0" smtClean="0"/>
-          </a:p>
-          <a:p>
-            <a:endParaRPr lang="en-US" dirty="0"/>
-          </a:p>
-          <a:p>
-            <a:r>
-              <a:rPr lang="en-US" sz="1600" dirty="0" smtClean="0"/>
-              <a:t>In this project we have analyzed Netflix Movies and TV shows based on their Ratings, Countries, Budgets, and Revenues</a:t>
-            </a:r>
-            <a:r>
-              <a:rPr lang="en-US" sz="1600" dirty="0" smtClean="0"/>
+            <a:endParaRPr lang="en-US" sz="1600" dirty="0" smtClean="0"/>
+          </a:p>
+          <a:p>
+            <a:r>
+              <a:rPr lang="en-US" sz="1800" dirty="0"/>
+              <a:t>Graph of the countries that contribute producing movies for </a:t>
+            </a:r>
+            <a:r>
+              <a:rPr lang="en-US" sz="1800" dirty="0" err="1"/>
+              <a:t>NetFlix</a:t>
+            </a:r>
+            <a:endParaRPr lang="en-US" sz="1800" dirty="0"/>
+          </a:p>
+          <a:p>
+            <a:r>
+              <a:rPr lang="en-US" sz="1800" dirty="0" smtClean="0"/>
+              <a:t>Network </a:t>
+            </a:r>
+            <a:r>
+              <a:rPr lang="en-US" sz="1800" dirty="0"/>
+              <a:t>analysis of Actors / Directors and find interesting insights</a:t>
+            </a:r>
+          </a:p>
+          <a:p>
+            <a:r>
+              <a:rPr lang="en-US" sz="1800" dirty="0" smtClean="0"/>
+              <a:t>Is </a:t>
+            </a:r>
+            <a:r>
+              <a:rPr lang="en-US" sz="1800" dirty="0"/>
+              <a:t>Netflix has increasingly focusing on TV rather than movies in recent </a:t>
+            </a:r>
+            <a:r>
+              <a:rPr lang="en-US" sz="1800" dirty="0" smtClean="0"/>
+              <a:t>years</a:t>
+            </a:r>
+            <a:r>
+              <a:rPr lang="en-US" sz="1800" dirty="0"/>
               <a:t>.</a:t>
             </a:r>
           </a:p>
           <a:p>
+            <a:r>
+              <a:rPr lang="en-US" sz="1800" dirty="0" smtClean="0"/>
+              <a:t>Using </a:t>
+            </a:r>
+            <a:r>
+              <a:rPr lang="en-US" sz="1800" dirty="0"/>
+              <a:t>API to enrich the movies data getting more information about the </a:t>
+            </a:r>
+            <a:r>
+              <a:rPr lang="en-US" sz="1800" dirty="0" smtClean="0"/>
+              <a:t>movie </a:t>
+            </a:r>
+            <a:r>
+              <a:rPr lang="en-US" sz="1800" dirty="0"/>
+              <a:t>such as Reviews, Rating, top rated, the budget for the Movie </a:t>
+            </a:r>
+            <a:r>
+              <a:rPr lang="en-US" sz="1800" dirty="0" smtClean="0"/>
+              <a:t>and the </a:t>
+            </a:r>
+            <a:r>
+              <a:rPr lang="en-US" sz="1800" dirty="0"/>
+              <a:t>total money that the movie has </a:t>
+            </a:r>
+            <a:r>
+              <a:rPr lang="en-US" sz="1800" dirty="0" smtClean="0"/>
+              <a:t>generated</a:t>
+            </a:r>
+          </a:p>
+          <a:p>
+            <a:r>
+              <a:rPr lang="en-US" sz="1800" dirty="0" smtClean="0"/>
+              <a:t>Top </a:t>
+            </a:r>
+            <a:r>
+              <a:rPr lang="en-US" sz="1800" dirty="0"/>
+              <a:t>rated movies</a:t>
+            </a:r>
+          </a:p>
+          <a:p>
             <a:pPr marL="0" indent="0">
               <a:buNone/>
             </a:pPr>
-            <a:endParaRPr lang="en-US" sz="1600" dirty="0" smtClean="0"/>
-          </a:p>
-          <a:p>
-            <a:r>
-              <a:rPr lang="en-US" sz="1600" dirty="0" smtClean="0"/>
-              <a:t>Gathering </a:t>
-            </a:r>
-            <a:r>
-              <a:rPr lang="en-US" sz="1600" dirty="0" smtClean="0"/>
-              <a:t>these data was based on API connection to OMDB and TMDB.</a:t>
-            </a:r>
-          </a:p>
-          <a:p>
-            <a:r>
-              <a:rPr lang="en-US" sz="1600" dirty="0" smtClean="0">
-                <a:hlinkClick r:id="rId2"/>
-              </a:rPr>
-              <a:t>https</a:t>
-            </a:r>
-            <a:r>
-              <a:rPr lang="en-US" sz="1600" dirty="0">
-                <a:hlinkClick r:id="rId2"/>
-              </a:rPr>
-              <a:t>://</a:t>
-            </a:r>
-            <a:r>
-              <a:rPr lang="en-US" sz="1600" dirty="0" smtClean="0">
-                <a:hlinkClick r:id="rId2"/>
-              </a:rPr>
-              <a:t>www.kaggle.com/shivamb/netflix-shows?select=netflix_titles.csv</a:t>
-            </a:r>
-            <a:endParaRPr lang="en-US" sz="1600" dirty="0" smtClean="0"/>
-          </a:p>
-          <a:p>
-            <a:endParaRPr lang="en-US" sz="1600" dirty="0" smtClean="0"/>
+            <a:r>
+              <a:rPr lang="en-US" sz="1600" dirty="0"/>
+              <a:t>       </a:t>
+            </a:r>
+            <a:endParaRPr lang="en-US" sz="1400" dirty="0" smtClean="0"/>
           </a:p>
           <a:p>
             <a:pPr marL="0" indent="0">
               <a:buNone/>
             </a:pPr>
-            <a:endParaRPr lang="en-US" sz="1600" dirty="0" smtClean="0"/>
-          </a:p>
-          <a:p>
-            <a:r>
-              <a:rPr lang="en-US" sz="1600" dirty="0" smtClean="0"/>
-              <a:t>Public </a:t>
-            </a:r>
-            <a:r>
-              <a:rPr lang="en-US" sz="1600" dirty="0"/>
-              <a:t>movie APIs</a:t>
-            </a:r>
-            <a:r>
-              <a:rPr lang="en-US" sz="1600" dirty="0" smtClean="0"/>
-              <a:t>:</a:t>
-            </a:r>
-            <a:endParaRPr lang="en-US" sz="1600" dirty="0"/>
-          </a:p>
-          <a:p>
-            <a:r>
-              <a:rPr lang="en-US" sz="1600" dirty="0"/>
-              <a:t>OMDB - </a:t>
-            </a:r>
-            <a:r>
-              <a:rPr lang="en-US" sz="1600" dirty="0" err="1"/>
-              <a:t>OMDb</a:t>
-            </a:r>
-            <a:r>
-              <a:rPr lang="en-US" sz="1600" dirty="0"/>
-              <a:t> to obtain information and metadata about movies</a:t>
-            </a:r>
-            <a:r>
-              <a:rPr lang="en-US" sz="1600" dirty="0" smtClean="0"/>
-              <a:t>.</a:t>
-            </a:r>
-          </a:p>
-          <a:p>
-            <a:r>
-              <a:rPr lang="en-US" sz="1600" dirty="0">
-                <a:hlinkClick r:id="rId3"/>
-              </a:rPr>
-              <a:t>http://www.omdbapi.com/?apikey={api_key}&amp;t</a:t>
-            </a:r>
-            <a:r>
-              <a:rPr lang="en-US" sz="1600" dirty="0"/>
-              <a:t>=</a:t>
-            </a:r>
+            <a:endParaRPr lang="en-US" sz="1400" dirty="0"/>
           </a:p>
           <a:p>
             <a:pPr marL="0" indent="0">
               <a:buNone/>
             </a:pPr>
-            <a:endParaRPr lang="en-US" sz="1600" dirty="0"/>
-          </a:p>
-          <a:p>
-            <a:r>
-              <a:rPr lang="en-US" sz="1600" dirty="0" err="1"/>
-              <a:t>TMDb</a:t>
-            </a:r>
-            <a:r>
-              <a:rPr lang="en-US" sz="1600" dirty="0"/>
-              <a:t> - </a:t>
-            </a:r>
-            <a:r>
-              <a:rPr lang="en-US" sz="1600" dirty="0" err="1"/>
-              <a:t>TMDb</a:t>
-            </a:r>
-            <a:r>
-              <a:rPr lang="en-US" sz="1600" dirty="0"/>
-              <a:t> for movie discovery</a:t>
-            </a:r>
-            <a:r>
-              <a:rPr lang="en-US" sz="1600" dirty="0" smtClean="0"/>
-              <a:t>.</a:t>
-            </a:r>
-          </a:p>
-          <a:p>
-            <a:r>
-              <a:rPr lang="en-US" sz="1600" dirty="0" smtClean="0">
-                <a:hlinkClick r:id="rId4"/>
-              </a:rPr>
-              <a:t>https</a:t>
-            </a:r>
-            <a:r>
-              <a:rPr lang="en-US" sz="1600" dirty="0">
-                <a:hlinkClick r:id="rId4"/>
-              </a:rPr>
-              <a:t>://</a:t>
-            </a:r>
-            <a:r>
-              <a:rPr lang="en-US" sz="1600" dirty="0" smtClean="0">
-                <a:hlinkClick r:id="rId4"/>
-              </a:rPr>
-              <a:t>api.themoviedb.org</a:t>
-            </a:r>
-            <a:endParaRPr lang="en-US" sz="1600" dirty="0" smtClean="0"/>
-          </a:p>
-          <a:p>
-            <a:endParaRPr lang="en-US" dirty="0" smtClean="0"/>
+            <a:endParaRPr lang="en-US" sz="1400" dirty="0"/>
           </a:p>
           <a:p>
             <a:pPr marL="0" indent="0">
               <a:buNone/>
             </a:pPr>
-            <a:endParaRPr lang="en-US" dirty="0"/>
-          </a:p>
-        </p:txBody>
-      </p:sp>
-      <p:pic>
-        <p:nvPicPr>
-          <p:cNvPr id="4" name="Picture 3"/>
-          <p:cNvPicPr>
-            <a:picLocks noChangeAspect="1"/>
-          </p:cNvPicPr>
-          <p:nvPr/>
-        </p:nvPicPr>
-        <p:blipFill>
-          <a:blip r:embed="rId5"/>
-          <a:stretch>
-            <a:fillRect/>
-          </a:stretch>
-        </p:blipFill>
-        <p:spPr>
-          <a:xfrm>
-            <a:off x="1116932" y="4068509"/>
-            <a:ext cx="8001000" cy="276225"/>
-          </a:xfrm>
-          <a:prstGeom prst="rect">
-            <a:avLst/>
-          </a:prstGeom>
-        </p:spPr>
-      </p:pic>
+            <a:endParaRPr lang="en-US" sz="1400" dirty="0" smtClean="0"/>
+          </a:p>
+          <a:p>
+            <a:pPr marL="0" indent="0">
+              <a:buNone/>
+            </a:pPr>
+            <a:endParaRPr lang="en-US" sz="1400" dirty="0" smtClean="0"/>
+          </a:p>
+          <a:p>
+            <a:endParaRPr lang="en-US" dirty="0"/>
+          </a:p>
+        </p:txBody>
+      </p:sp>
     </p:spTree>
     <p:extLst>
       <p:ext uri="{BB962C8B-B14F-4D97-AF65-F5344CB8AC3E}">
-        <p14:creationId xmlns:p14="http://schemas.microsoft.com/office/powerpoint/2010/main" val="2080170622"/>
+        <p14:creationId xmlns:p14="http://schemas.microsoft.com/office/powerpoint/2010/main" val="4217075949"/>
       </p:ext>
     </p:extLst>
   </p:cSld>
   <p:clrMapOvr>
     <a:masterClrMapping/>
   </p:clrMapOvr>
+  <p:timing>
+    <p:tnLst>
+      <p:par>
+        <p:cTn id="1" dur="indefinite" restart="never" nodeType="tmRoot"/>
+      </p:par>
+    </p:tnLst>
+  </p:timing>
 </p:sld>
 </file>
 
@@ -6146,71 +6645,111 @@
         </p:nvSpPr>
         <p:spPr/>
         <p:txBody>
-          <a:bodyPr>
-            <a:normAutofit/>
-          </a:bodyPr>
-          <a:lstStyle/>
-          <a:p>
-            <a:r>
-              <a:rPr lang="en-US" sz="3200" dirty="0" smtClean="0"/>
-              <a:t>Type of Data we worked with </a:t>
-            </a:r>
-            <a:endParaRPr lang="en-US" sz="3200" dirty="0"/>
-          </a:p>
-        </p:txBody>
-      </p:sp>
-      <p:sp>
-        <p:nvSpPr>
-          <p:cNvPr id="3" name="Content Placeholder 2"/>
-          <p:cNvSpPr>
-            <a:spLocks noGrp="1"/>
-          </p:cNvSpPr>
+          <a:bodyPr/>
+          <a:lstStyle/>
+          <a:p>
+            <a:r>
+              <a:rPr lang="en-US" dirty="0" smtClean="0"/>
+              <a:t>Data preparation:</a:t>
+            </a:r>
+            <a:endParaRPr lang="en-US" dirty="0"/>
+          </a:p>
+        </p:txBody>
+      </p:sp>
+      <p:pic>
+        <p:nvPicPr>
+          <p:cNvPr id="4" name="Content Placeholder 3"/>
+          <p:cNvPicPr>
+            <a:picLocks noGrp="1" noChangeAspect="1"/>
+          </p:cNvPicPr>
           <p:nvPr>
             <p:ph idx="1"/>
           </p:nvPr>
-        </p:nvSpPr>
-        <p:spPr/>
-        <p:txBody>
-          <a:bodyPr/>
-          <a:lstStyle/>
-          <a:p>
-            <a:endParaRPr lang="en-US" dirty="0" smtClean="0"/>
-          </a:p>
-          <a:p>
-            <a:r>
-              <a:rPr lang="en-US" dirty="0" smtClean="0"/>
-              <a:t>The </a:t>
-            </a:r>
-            <a:r>
-              <a:rPr lang="en-US" dirty="0"/>
-              <a:t>kind of data </a:t>
-            </a:r>
-            <a:r>
-              <a:rPr lang="en-US" dirty="0" smtClean="0"/>
-              <a:t>we worked with is Netflix </a:t>
-            </a:r>
-            <a:r>
-              <a:rPr lang="en-US" dirty="0"/>
-              <a:t>data </a:t>
-            </a:r>
-            <a:r>
-              <a:rPr lang="en-US" dirty="0" smtClean="0"/>
-              <a:t>till </a:t>
-            </a:r>
-            <a:r>
-              <a:rPr lang="en-US" dirty="0"/>
-              <a:t>year 2019</a:t>
-            </a:r>
-          </a:p>
-          <a:p>
-            <a:endParaRPr lang="en-US" dirty="0"/>
-          </a:p>
-        </p:txBody>
-      </p:sp>
+        </p:nvPicPr>
+        <p:blipFill>
+          <a:blip r:embed="rId2"/>
+          <a:stretch>
+            <a:fillRect/>
+          </a:stretch>
+        </p:blipFill>
+        <p:spPr>
+          <a:xfrm>
+            <a:off x="984082" y="1940890"/>
+            <a:ext cx="5924550" cy="2733675"/>
+          </a:xfrm>
+          <a:prstGeom prst="rect">
+            <a:avLst/>
+          </a:prstGeom>
+        </p:spPr>
+      </p:pic>
+      <p:sp>
+        <p:nvSpPr>
+          <p:cNvPr id="5" name="Right Arrow 4"/>
+          <p:cNvSpPr/>
+          <p:nvPr/>
+        </p:nvSpPr>
+        <p:spPr>
+          <a:xfrm>
+            <a:off x="7010400" y="3015920"/>
+            <a:ext cx="826168" cy="673768"/>
+          </a:xfrm>
+          <a:prstGeom prst="rightArrow">
+            <a:avLst/>
+          </a:prstGeom>
+        </p:spPr>
+        <p:style>
+          <a:lnRef idx="2">
+            <a:schemeClr val="accent1">
+              <a:shade val="50000"/>
+            </a:schemeClr>
+          </a:lnRef>
+          <a:fillRef idx="1">
+            <a:schemeClr val="accent1"/>
+          </a:fillRef>
+          <a:effectRef idx="0">
+            <a:schemeClr val="accent1"/>
+          </a:effectRef>
+          <a:fontRef idx="minor">
+            <a:schemeClr val="lt1"/>
+          </a:fontRef>
+        </p:style>
+        <p:txBody>
+          <a:bodyPr rtlCol="0" anchor="ctr"/>
+          <a:lstStyle/>
+          <a:p>
+            <a:pPr algn="ctr"/>
+            <a:endParaRPr lang="en-US"/>
+          </a:p>
+        </p:txBody>
+      </p:sp>
+      <p:pic>
+        <p:nvPicPr>
+          <p:cNvPr id="6" name="Picture 5"/>
+          <p:cNvPicPr>
+            <a:picLocks noChangeAspect="1"/>
+          </p:cNvPicPr>
+          <p:nvPr/>
+        </p:nvPicPr>
+        <p:blipFill>
+          <a:blip r:embed="rId3"/>
+          <a:stretch>
+            <a:fillRect/>
+          </a:stretch>
+        </p:blipFill>
+        <p:spPr>
+          <a:xfrm>
+            <a:off x="7938336" y="1883447"/>
+            <a:ext cx="2171700" cy="4743450"/>
+          </a:xfrm>
+          <a:prstGeom prst="rect">
+            <a:avLst/>
+          </a:prstGeom>
+        </p:spPr>
+      </p:pic>
     </p:spTree>
     <p:extLst>
       <p:ext uri="{BB962C8B-B14F-4D97-AF65-F5344CB8AC3E}">
-        <p14:creationId xmlns:p14="http://schemas.microsoft.com/office/powerpoint/2010/main" val="2443324101"/>
+        <p14:creationId xmlns:p14="http://schemas.microsoft.com/office/powerpoint/2010/main" val="2752867092"/>
       </p:ext>
     </p:extLst>
   </p:cSld>
@@ -6247,240 +6786,162 @@
             <p:ph type="title"/>
           </p:nvPr>
         </p:nvSpPr>
-        <p:spPr/>
-        <p:txBody>
-          <a:bodyPr/>
-          <a:lstStyle/>
-          <a:p>
+        <p:spPr>
+          <a:xfrm>
+            <a:off x="5173578" y="764373"/>
+            <a:ext cx="6332621" cy="1048385"/>
+          </a:xfrm>
+        </p:spPr>
+        <p:txBody>
+          <a:bodyPr>
+            <a:normAutofit fontScale="90000"/>
+          </a:bodyPr>
+          <a:lstStyle/>
+          <a:p>
+            <a:r>
+              <a:rPr lang="en-US" sz="2200" b="1" dirty="0"/>
+              <a:t>Graph of the countries that contribute producing movies for </a:t>
+            </a:r>
+            <a:r>
+              <a:rPr lang="en-US" sz="2200" b="1" dirty="0" err="1"/>
+              <a:t>NetFlix</a:t>
+            </a:r>
             <a:r>
               <a:rPr lang="en-US" dirty="0"/>
-              <a:t>questions we have asked of the  data</a:t>
-            </a:r>
-          </a:p>
-        </p:txBody>
-      </p:sp>
-      <p:sp>
-        <p:nvSpPr>
-          <p:cNvPr id="3" name="Content Placeholder 2"/>
-          <p:cNvSpPr>
-            <a:spLocks noGrp="1"/>
-          </p:cNvSpPr>
+              <a:t/>
+            </a:r>
+            <a:br>
+              <a:rPr lang="en-US" dirty="0"/>
+            </a:br>
+            <a:endParaRPr lang="en-US" dirty="0"/>
+          </a:p>
+        </p:txBody>
+      </p:sp>
+      <p:pic>
+        <p:nvPicPr>
+          <p:cNvPr id="4" name="Content Placeholder 3"/>
+          <p:cNvPicPr>
+            <a:picLocks noGrp="1" noChangeAspect="1"/>
+          </p:cNvPicPr>
           <p:nvPr>
             <p:ph idx="1"/>
           </p:nvPr>
-        </p:nvSpPr>
-        <p:spPr/>
-        <p:txBody>
-          <a:bodyPr>
-            <a:normAutofit fontScale="77500" lnSpcReduction="20000"/>
+        </p:nvPicPr>
+        <p:blipFill>
+          <a:blip r:embed="rId2"/>
+          <a:stretch>
+            <a:fillRect/>
+          </a:stretch>
+        </p:blipFill>
+        <p:spPr>
+          <a:xfrm>
+            <a:off x="107055" y="2129755"/>
+            <a:ext cx="5288331" cy="4024313"/>
+          </a:xfrm>
+          <a:prstGeom prst="rect">
+            <a:avLst/>
+          </a:prstGeom>
+        </p:spPr>
+      </p:pic>
+      <p:pic>
+        <p:nvPicPr>
+          <p:cNvPr id="5" name="Content Placeholder 3"/>
+          <p:cNvPicPr>
+            <a:picLocks noChangeAspect="1"/>
+          </p:cNvPicPr>
+          <p:nvPr/>
+        </p:nvPicPr>
+        <p:blipFill>
+          <a:blip r:embed="rId3"/>
+          <a:stretch>
+            <a:fillRect/>
+          </a:stretch>
+        </p:blipFill>
+        <p:spPr>
+          <a:xfrm>
+            <a:off x="5526505" y="2129755"/>
+            <a:ext cx="6553200" cy="4024313"/>
+          </a:xfrm>
+          <a:prstGeom prst="rect">
+            <a:avLst/>
+          </a:prstGeom>
+        </p:spPr>
+      </p:pic>
+      <p:sp>
+        <p:nvSpPr>
+          <p:cNvPr id="6" name="TextBox 5"/>
+          <p:cNvSpPr txBox="1"/>
+          <p:nvPr/>
+        </p:nvSpPr>
+        <p:spPr>
+          <a:xfrm>
+            <a:off x="737937" y="1796716"/>
+            <a:ext cx="2751221" cy="369332"/>
+          </a:xfrm>
+          <a:prstGeom prst="rect">
+            <a:avLst/>
+          </a:prstGeom>
+          <a:noFill/>
+        </p:spPr>
+        <p:txBody>
+          <a:bodyPr wrap="square" rtlCol="0">
+            <a:spAutoFit/>
           </a:bodyPr>
           <a:lstStyle/>
           <a:p>
-            <a:endParaRPr lang="en-US" sz="1600" dirty="0" smtClean="0"/>
-          </a:p>
-          <a:p>
-            <a:r>
-              <a:rPr lang="en-US" sz="1600" dirty="0" smtClean="0"/>
-              <a:t>Understanding </a:t>
-            </a:r>
-            <a:r>
-              <a:rPr lang="en-US" sz="1600" dirty="0"/>
-              <a:t>what content is available in different countries</a:t>
-            </a:r>
-          </a:p>
-          <a:p>
-            <a:pPr marL="0" indent="0">
-              <a:buNone/>
-            </a:pPr>
-            <a:r>
-              <a:rPr lang="en-US" sz="1600" dirty="0" smtClean="0"/>
-              <a:t>     *Based </a:t>
-            </a:r>
-            <a:r>
-              <a:rPr lang="en-US" sz="1600" dirty="0"/>
-              <a:t>on genre</a:t>
-            </a:r>
-          </a:p>
-          <a:p>
-            <a:r>
-              <a:rPr lang="en-US" sz="1600" dirty="0" smtClean="0"/>
-              <a:t>Network </a:t>
-            </a:r>
-            <a:r>
-              <a:rPr lang="en-US" sz="1600" dirty="0"/>
-              <a:t>analysis of Actors / Directors and find interesting insights</a:t>
-            </a:r>
-          </a:p>
-          <a:p>
-            <a:pPr marL="0" indent="0">
-              <a:buNone/>
-            </a:pPr>
-            <a:r>
-              <a:rPr lang="en-US" sz="1600" dirty="0" smtClean="0"/>
-              <a:t>     *Pair </a:t>
-            </a:r>
-            <a:r>
-              <a:rPr lang="en-US" sz="1600" dirty="0"/>
-              <a:t>of actors/directors appears together in most movies</a:t>
-            </a:r>
-          </a:p>
-          <a:p>
-            <a:r>
-              <a:rPr lang="en-US" sz="1600" dirty="0" smtClean="0"/>
-              <a:t>Is </a:t>
-            </a:r>
-            <a:r>
-              <a:rPr lang="en-US" sz="1600" dirty="0"/>
-              <a:t>Netflix has increasingly focusing on TV rather than movies in recent </a:t>
-            </a:r>
-            <a:r>
-              <a:rPr lang="en-US" sz="1600" dirty="0" smtClean="0"/>
-              <a:t>years</a:t>
-            </a:r>
-            <a:r>
-              <a:rPr lang="en-US" sz="1600" dirty="0"/>
-              <a:t>.</a:t>
-            </a:r>
-          </a:p>
-          <a:p>
-            <a:pPr marL="0" indent="0">
-              <a:buNone/>
-            </a:pPr>
-            <a:r>
-              <a:rPr lang="en-US" sz="1600" dirty="0" smtClean="0"/>
-              <a:t>    </a:t>
-            </a:r>
-            <a:r>
-              <a:rPr lang="en-US" sz="1600" dirty="0"/>
-              <a:t>*</a:t>
-            </a:r>
-            <a:r>
-              <a:rPr lang="en-US" sz="1600" dirty="0" smtClean="0"/>
-              <a:t>Number </a:t>
-            </a:r>
-            <a:r>
-              <a:rPr lang="en-US" sz="1600" dirty="0"/>
-              <a:t>of TV vs Movies per </a:t>
-            </a:r>
-            <a:r>
-              <a:rPr lang="en-US" sz="1600" dirty="0" smtClean="0"/>
-              <a:t>year</a:t>
-            </a:r>
-          </a:p>
-          <a:p>
-            <a:r>
-              <a:rPr lang="en-US" sz="1600" dirty="0"/>
-              <a:t>Graph of the countries that contribute producing movies for </a:t>
-            </a:r>
-            <a:r>
-              <a:rPr lang="en-US" sz="1600" dirty="0" err="1"/>
-              <a:t>NetFlix</a:t>
-            </a:r>
-            <a:endParaRPr lang="en-US" sz="1600" dirty="0"/>
-          </a:p>
-          <a:p>
-            <a:pPr marL="0" indent="0">
-              <a:buNone/>
-            </a:pPr>
-            <a:r>
-              <a:rPr lang="en-US" sz="1600" dirty="0"/>
-              <a:t>     *Heat graph for number of </a:t>
-            </a:r>
-            <a:r>
-              <a:rPr lang="en-US" sz="1600" dirty="0" smtClean="0"/>
-              <a:t>movies</a:t>
-            </a:r>
-          </a:p>
-          <a:p>
-            <a:r>
-              <a:rPr lang="en-US" sz="1600" dirty="0"/>
-              <a:t>Using API to enrich the movies data getting more information about the </a:t>
-            </a:r>
-          </a:p>
-          <a:p>
-            <a:pPr marL="0" indent="0">
-              <a:buNone/>
-            </a:pPr>
-            <a:r>
-              <a:rPr lang="en-US" sz="1600" dirty="0" smtClean="0"/>
-              <a:t>     movie </a:t>
-            </a:r>
-            <a:r>
-              <a:rPr lang="en-US" sz="1600" dirty="0"/>
-              <a:t>such as Reviews, Rating, top rated, the budget for the Movie </a:t>
-            </a:r>
-            <a:r>
-              <a:rPr lang="en-US" sz="1600" dirty="0" smtClean="0"/>
-              <a:t>and the </a:t>
-            </a:r>
-            <a:r>
-              <a:rPr lang="en-US" sz="1600" dirty="0"/>
-              <a:t>total money that the movie has generated</a:t>
-            </a:r>
-          </a:p>
-          <a:p>
-            <a:pPr marL="0" indent="0">
-              <a:buNone/>
-            </a:pPr>
-            <a:r>
-              <a:rPr lang="en-US" sz="1600" dirty="0" smtClean="0"/>
-              <a:t>     *</a:t>
-            </a:r>
-            <a:r>
-              <a:rPr lang="en-US" sz="1600" dirty="0"/>
-              <a:t>Top rated movies</a:t>
-            </a:r>
-          </a:p>
-          <a:p>
-            <a:pPr marL="0" indent="0">
-              <a:buNone/>
-            </a:pPr>
-            <a:r>
-              <a:rPr lang="en-US" sz="1600" dirty="0"/>
-              <a:t>       **Rating vs revenue</a:t>
-            </a:r>
-          </a:p>
-          <a:p>
-            <a:pPr marL="0" indent="0">
-              <a:buNone/>
-            </a:pPr>
-            <a:r>
-              <a:rPr lang="en-US" sz="1600" dirty="0"/>
-              <a:t>        **Genre vs revenue</a:t>
-            </a:r>
-          </a:p>
-          <a:p>
-            <a:pPr marL="0" indent="0">
-              <a:buNone/>
-            </a:pPr>
-            <a:endParaRPr lang="en-US" sz="1400" dirty="0" smtClean="0"/>
-          </a:p>
-          <a:p>
-            <a:r>
-              <a:rPr lang="en-US" sz="1400" dirty="0" smtClean="0"/>
+            <a:r>
+              <a:rPr lang="en-US" dirty="0"/>
+              <a:t>import </a:t>
+            </a:r>
+            <a:r>
+              <a:rPr lang="en-US" dirty="0" err="1"/>
+              <a:t>hvplot.pandas</a:t>
+            </a:r>
+            <a:r>
+              <a:rPr lang="en-US" dirty="0"/>
               <a:t> </a:t>
             </a:r>
-            <a:endParaRPr lang="en-US" sz="1400" dirty="0"/>
-          </a:p>
-          <a:p>
-            <a:pPr marL="0" indent="0">
-              <a:buNone/>
-            </a:pPr>
-            <a:endParaRPr lang="en-US" sz="1400" dirty="0"/>
-          </a:p>
-          <a:p>
-            <a:pPr marL="0" indent="0">
-              <a:buNone/>
-            </a:pPr>
-            <a:endParaRPr lang="en-US" sz="1400" dirty="0" smtClean="0"/>
-          </a:p>
-          <a:p>
-            <a:pPr marL="0" indent="0">
-              <a:buNone/>
-            </a:pPr>
-            <a:endParaRPr lang="en-US" sz="1400" dirty="0" smtClean="0"/>
-          </a:p>
-          <a:p>
+          </a:p>
+        </p:txBody>
+      </p:sp>
+      <p:sp>
+        <p:nvSpPr>
+          <p:cNvPr id="7" name="TextBox 6"/>
+          <p:cNvSpPr txBox="1"/>
+          <p:nvPr/>
+        </p:nvSpPr>
+        <p:spPr>
+          <a:xfrm>
+            <a:off x="6950242" y="1812758"/>
+            <a:ext cx="3533274" cy="369332"/>
+          </a:xfrm>
+          <a:prstGeom prst="rect">
+            <a:avLst/>
+          </a:prstGeom>
+          <a:noFill/>
+        </p:spPr>
+        <p:txBody>
+          <a:bodyPr wrap="square" rtlCol="0">
+            <a:spAutoFit/>
+          </a:bodyPr>
+          <a:lstStyle/>
+          <a:p>
+            <a:r>
+              <a:rPr lang="en-US" dirty="0"/>
+              <a:t>import </a:t>
+            </a:r>
+            <a:r>
+              <a:rPr lang="en-US" dirty="0" err="1"/>
+              <a:t>plotly.express</a:t>
+            </a:r>
+            <a:r>
+              <a:rPr lang="en-US" dirty="0"/>
+              <a:t> as </a:t>
+            </a:r>
+            <a:r>
+              <a:rPr lang="en-US" dirty="0" err="1"/>
+              <a:t>px</a:t>
+            </a:r>
             <a:endParaRPr lang="en-US" dirty="0"/>
           </a:p>
         </p:txBody>
@@ -6488,7 +6949,7 @@
     </p:spTree>
     <p:extLst>
       <p:ext uri="{BB962C8B-B14F-4D97-AF65-F5344CB8AC3E}">
-        <p14:creationId xmlns:p14="http://schemas.microsoft.com/office/powerpoint/2010/main" val="4217075949"/>
+        <p14:creationId xmlns:p14="http://schemas.microsoft.com/office/powerpoint/2010/main" val="2570599154"/>
       </p:ext>
     </p:extLst>
   </p:cSld>
@@ -6527,148 +6988,104 @@
         </p:nvSpPr>
         <p:spPr/>
         <p:txBody>
-          <a:bodyPr/>
-          <a:lstStyle/>
-          <a:p>
-            <a:r>
-              <a:rPr lang="en-US" dirty="0"/>
-              <a:t>questions we have asked of the  data</a:t>
-            </a:r>
-          </a:p>
-        </p:txBody>
-      </p:sp>
-      <p:sp>
-        <p:nvSpPr>
-          <p:cNvPr id="3" name="Content Placeholder 2"/>
-          <p:cNvSpPr>
-            <a:spLocks noGrp="1"/>
-          </p:cNvSpPr>
-          <p:nvPr>
-            <p:ph idx="1"/>
-          </p:nvPr>
-        </p:nvSpPr>
-        <p:spPr/>
-        <p:txBody>
           <a:bodyPr>
             <a:normAutofit/>
           </a:bodyPr>
           <a:lstStyle/>
           <a:p>
             <a:r>
-              <a:rPr lang="en-US" sz="1400" dirty="0" smtClean="0"/>
-              <a:t>the </a:t>
-            </a:r>
-            <a:r>
-              <a:rPr lang="en-US" sz="1400" dirty="0"/>
-              <a:t>total money that the movie has generated</a:t>
-            </a:r>
-          </a:p>
-          <a:p>
-            <a:r>
-              <a:rPr lang="en-US" sz="1400" dirty="0"/>
-              <a:t>*</a:t>
-            </a:r>
-            <a:r>
-              <a:rPr lang="en-US" sz="1400" dirty="0" smtClean="0"/>
-              <a:t>Top </a:t>
-            </a:r>
-            <a:r>
-              <a:rPr lang="en-US" sz="1400" dirty="0"/>
-              <a:t>rated </a:t>
-            </a:r>
-            <a:r>
-              <a:rPr lang="en-US" sz="1400" dirty="0" smtClean="0"/>
-              <a:t>movies</a:t>
-            </a:r>
-            <a:endParaRPr lang="en-US" sz="1400" dirty="0"/>
-          </a:p>
-          <a:p>
-            <a:pPr marL="0" indent="0">
-              <a:buNone/>
-            </a:pPr>
-            <a:r>
-              <a:rPr lang="en-US" sz="1400" dirty="0" smtClean="0"/>
-              <a:t>       **Rating </a:t>
-            </a:r>
-            <a:r>
-              <a:rPr lang="en-US" sz="1400" dirty="0"/>
-              <a:t>vs </a:t>
-            </a:r>
-            <a:r>
-              <a:rPr lang="en-US" sz="1400" dirty="0" smtClean="0"/>
-              <a:t>revenue</a:t>
-            </a:r>
-            <a:endParaRPr lang="en-US" sz="1400" dirty="0"/>
-          </a:p>
-          <a:p>
-            <a:pPr marL="0" indent="0">
-              <a:buNone/>
-            </a:pPr>
-            <a:r>
-              <a:rPr lang="en-US" sz="1400" dirty="0" smtClean="0"/>
-              <a:t>        **Genre </a:t>
-            </a:r>
-            <a:r>
-              <a:rPr lang="en-US" sz="1400" dirty="0"/>
-              <a:t>vs </a:t>
-            </a:r>
-            <a:r>
-              <a:rPr lang="en-US" sz="1400" dirty="0" smtClean="0"/>
-              <a:t>revenue</a:t>
-            </a:r>
-          </a:p>
-          <a:p>
-            <a:r>
-              <a:rPr lang="en-US" sz="1400" dirty="0"/>
-              <a:t>Revenue based on different countries</a:t>
-            </a:r>
-          </a:p>
-          <a:p>
-            <a:pPr marL="0" indent="0">
-              <a:buNone/>
-            </a:pPr>
-            <a:r>
-              <a:rPr lang="en-US" sz="1400" dirty="0"/>
-              <a:t>      *Country vs revenue</a:t>
-            </a:r>
-          </a:p>
-          <a:p>
-            <a:r>
-              <a:rPr lang="en-US" sz="1400" dirty="0"/>
-              <a:t>Revenue vs budget</a:t>
-            </a:r>
-          </a:p>
-          <a:p>
-            <a:r>
-              <a:rPr lang="en-US" sz="1400" dirty="0"/>
-              <a:t>Revenue per season</a:t>
-            </a:r>
-          </a:p>
-          <a:p>
-            <a:r>
-              <a:rPr lang="en-US" sz="1400" dirty="0"/>
-              <a:t>Ratio of genres</a:t>
-            </a:r>
-          </a:p>
-          <a:p>
-            <a:r>
-              <a:rPr lang="en-US" sz="1400" dirty="0"/>
-              <a:t>Top 20 titles with highest revenue.</a:t>
-            </a:r>
-          </a:p>
-          <a:p>
-            <a:r>
-              <a:rPr lang="en-US" sz="1400" dirty="0"/>
-              <a:t>Relation between award wining and revenue</a:t>
-            </a:r>
-          </a:p>
-          <a:p>
-            <a:pPr marL="0" indent="0">
-              <a:buNone/>
-            </a:pPr>
-            <a:endParaRPr lang="en-US" sz="1400" dirty="0"/>
-          </a:p>
-          <a:p>
+              <a:rPr lang="en-US" sz="2200" b="1" dirty="0"/>
+              <a:t>Is Netflix has increasingly focusing on TV rather than movies in recent </a:t>
+            </a:r>
+            <a:r>
+              <a:rPr lang="en-US" sz="2200" b="1" dirty="0" smtClean="0"/>
+              <a:t>years?</a:t>
+            </a:r>
+            <a:r>
+              <a:rPr lang="en-US" dirty="0"/>
+              <a:t/>
+            </a:r>
+            <a:br>
+              <a:rPr lang="en-US" dirty="0"/>
+            </a:br>
+            <a:endParaRPr lang="en-US" dirty="0"/>
+          </a:p>
+        </p:txBody>
+      </p:sp>
+      <p:pic>
+        <p:nvPicPr>
+          <p:cNvPr id="4" name="Content Placeholder 3"/>
+          <p:cNvPicPr>
+            <a:picLocks noGrp="1" noChangeAspect="1"/>
+          </p:cNvPicPr>
+          <p:nvPr>
+            <p:ph idx="1"/>
+          </p:nvPr>
+        </p:nvPicPr>
+        <p:blipFill>
+          <a:blip r:embed="rId2"/>
+          <a:stretch>
+            <a:fillRect/>
+          </a:stretch>
+        </p:blipFill>
+        <p:spPr>
+          <a:xfrm>
+            <a:off x="2663842" y="2570919"/>
+            <a:ext cx="6687854" cy="4024313"/>
+          </a:xfrm>
+          <a:prstGeom prst="rect">
+            <a:avLst/>
+          </a:prstGeom>
+        </p:spPr>
+      </p:pic>
+      <p:sp>
+        <p:nvSpPr>
+          <p:cNvPr id="5" name="TextBox 4"/>
+          <p:cNvSpPr txBox="1"/>
+          <p:nvPr/>
+        </p:nvSpPr>
+        <p:spPr>
+          <a:xfrm>
+            <a:off x="2470484" y="1957137"/>
+            <a:ext cx="7728718" cy="646331"/>
+          </a:xfrm>
+          <a:prstGeom prst="rect">
+            <a:avLst/>
+          </a:prstGeom>
+          <a:noFill/>
+        </p:spPr>
+        <p:txBody>
+          <a:bodyPr wrap="square" rtlCol="0">
+            <a:spAutoFit/>
+          </a:bodyPr>
+          <a:lstStyle/>
+          <a:p>
+            <a:r>
+              <a:rPr lang="en-US" dirty="0" smtClean="0"/>
+              <a:t>Graph is showing that </a:t>
+            </a:r>
+            <a:r>
+              <a:rPr lang="en-US" dirty="0" err="1" smtClean="0"/>
+              <a:t>NetFlix</a:t>
+            </a:r>
+            <a:r>
+              <a:rPr lang="en-US" dirty="0" smtClean="0"/>
+              <a:t> is adding more TV Shows recently. </a:t>
+            </a:r>
+          </a:p>
+          <a:p>
+            <a:r>
+              <a:rPr lang="en-US" dirty="0" smtClean="0"/>
+              <a:t>However, </a:t>
+            </a:r>
+            <a:r>
+              <a:rPr lang="en-US" dirty="0" err="1" smtClean="0"/>
+              <a:t>NetFlix</a:t>
+            </a:r>
+            <a:r>
+              <a:rPr lang="en-US" dirty="0" smtClean="0"/>
+              <a:t> is still focusing on movies.</a:t>
+            </a:r>
             <a:endParaRPr lang="en-US" dirty="0"/>
           </a:p>
         </p:txBody>
@@ -6676,7 +7093,7 @@
     </p:spTree>
     <p:extLst>
       <p:ext uri="{BB962C8B-B14F-4D97-AF65-F5344CB8AC3E}">
-        <p14:creationId xmlns:p14="http://schemas.microsoft.com/office/powerpoint/2010/main" val="378580408"/>
+        <p14:creationId xmlns:p14="http://schemas.microsoft.com/office/powerpoint/2010/main" val="400607095"/>
       </p:ext>
     </p:extLst>
   </p:cSld>
@@ -6715,115 +7132,97 @@
         </p:nvSpPr>
         <p:spPr/>
         <p:txBody>
-          <a:bodyPr/>
-          <a:lstStyle/>
-          <a:p>
-            <a:r>
-              <a:rPr lang="en-US" dirty="0"/>
-              <a:t>questions we have asked of the  data</a:t>
-            </a:r>
-          </a:p>
-        </p:txBody>
-      </p:sp>
-      <p:sp>
-        <p:nvSpPr>
-          <p:cNvPr id="3" name="Content Placeholder 2"/>
-          <p:cNvSpPr>
-            <a:spLocks noGrp="1"/>
-          </p:cNvSpPr>
-          <p:nvPr>
-            <p:ph idx="1"/>
-          </p:nvPr>
-        </p:nvSpPr>
-        <p:spPr/>
-        <p:txBody>
           <a:bodyPr>
             <a:normAutofit/>
           </a:bodyPr>
           <a:lstStyle/>
           <a:p>
             <a:r>
-              <a:rPr lang="en-US" sz="1100" dirty="0"/>
-              <a:t>Revenue based on different countries</a:t>
-            </a:r>
-          </a:p>
-          <a:p>
-            <a:pPr marL="0" indent="0">
-              <a:buNone/>
-            </a:pPr>
-            <a:r>
-              <a:rPr lang="en-US" sz="1100" dirty="0" smtClean="0"/>
-              <a:t>      *Country </a:t>
-            </a:r>
-            <a:r>
-              <a:rPr lang="en-US" sz="1100" dirty="0"/>
-              <a:t>vs </a:t>
-            </a:r>
-            <a:r>
-              <a:rPr lang="en-US" sz="1100" dirty="0" smtClean="0"/>
-              <a:t>revenue</a:t>
-            </a:r>
-            <a:endParaRPr lang="en-US" sz="1100" dirty="0"/>
-          </a:p>
-          <a:p>
-            <a:r>
-              <a:rPr lang="en-US" sz="1100" dirty="0"/>
-              <a:t>Revenue vs </a:t>
-            </a:r>
-            <a:r>
-              <a:rPr lang="en-US" sz="1100" dirty="0" smtClean="0"/>
-              <a:t>budget</a:t>
-            </a:r>
-            <a:endParaRPr lang="en-US" sz="1100" dirty="0"/>
-          </a:p>
-          <a:p>
-            <a:r>
-              <a:rPr lang="en-US" sz="1100" dirty="0"/>
-              <a:t>Revenue per </a:t>
-            </a:r>
-            <a:r>
-              <a:rPr lang="en-US" sz="1100" dirty="0" smtClean="0"/>
-              <a:t>season</a:t>
-            </a:r>
-            <a:endParaRPr lang="en-US" sz="1100" dirty="0"/>
-          </a:p>
-          <a:p>
-            <a:r>
-              <a:rPr lang="en-US" sz="1100" dirty="0"/>
-              <a:t>Ratio of </a:t>
-            </a:r>
-            <a:r>
-              <a:rPr lang="en-US" sz="1100" dirty="0" smtClean="0"/>
-              <a:t>genres</a:t>
-            </a:r>
-            <a:endParaRPr lang="en-US" sz="1100" dirty="0"/>
-          </a:p>
-          <a:p>
-            <a:r>
-              <a:rPr lang="en-US" sz="1100" dirty="0"/>
-              <a:t>Top 20 titles with highest revenue</a:t>
-            </a:r>
-            <a:r>
-              <a:rPr lang="en-US" sz="1100" dirty="0" smtClean="0"/>
-              <a:t>.</a:t>
-            </a:r>
-            <a:endParaRPr lang="en-US" sz="1100" dirty="0"/>
-          </a:p>
-          <a:p>
-            <a:r>
-              <a:rPr lang="en-US" sz="1100" dirty="0"/>
-              <a:t>Relation between award wining and revenue</a:t>
-            </a:r>
-          </a:p>
-          <a:p>
-            <a:endParaRPr lang="en-US" dirty="0"/>
-          </a:p>
-        </p:txBody>
-      </p:sp>
+              <a:rPr lang="en-US" sz="2000" b="1" dirty="0"/>
+              <a:t>Using API to enrich the  data getting more information about the movie &amp; TV Shows such as Reviews, and Budget</a:t>
+            </a:r>
+            <a:endParaRPr lang="en-US" sz="2000" dirty="0"/>
+          </a:p>
+        </p:txBody>
+      </p:sp>
+      <p:pic>
+        <p:nvPicPr>
+          <p:cNvPr id="4" name="Content Placeholder 3"/>
+          <p:cNvPicPr>
+            <a:picLocks noGrp="1" noChangeAspect="1"/>
+          </p:cNvPicPr>
+          <p:nvPr>
+            <p:ph idx="1"/>
+          </p:nvPr>
+        </p:nvPicPr>
+        <p:blipFill>
+          <a:blip r:embed="rId2"/>
+          <a:stretch>
+            <a:fillRect/>
+          </a:stretch>
+        </p:blipFill>
+        <p:spPr>
+          <a:xfrm>
+            <a:off x="244517" y="1832350"/>
+            <a:ext cx="4514850" cy="2228850"/>
+          </a:xfrm>
+          <a:prstGeom prst="rect">
+            <a:avLst/>
+          </a:prstGeom>
+        </p:spPr>
+      </p:pic>
+      <p:pic>
+        <p:nvPicPr>
+          <p:cNvPr id="5" name="Picture 4"/>
+          <p:cNvPicPr>
+            <a:picLocks noChangeAspect="1"/>
+          </p:cNvPicPr>
+          <p:nvPr/>
+        </p:nvPicPr>
+        <p:blipFill>
+          <a:blip r:embed="rId3"/>
+          <a:stretch>
+            <a:fillRect/>
+          </a:stretch>
+        </p:blipFill>
+        <p:spPr>
+          <a:xfrm>
+            <a:off x="6623133" y="1946399"/>
+            <a:ext cx="3838575" cy="4486275"/>
+          </a:xfrm>
+          <a:prstGeom prst="rect">
+            <a:avLst/>
+          </a:prstGeom>
+        </p:spPr>
+      </p:pic>
+      <p:pic>
+        <p:nvPicPr>
+          <p:cNvPr id="6" name="Picture 5"/>
+          <p:cNvPicPr>
+            <a:picLocks noChangeAspect="1"/>
+          </p:cNvPicPr>
+          <p:nvPr/>
+        </p:nvPicPr>
+        <p:blipFill>
+          <a:blip r:embed="rId4"/>
+          <a:stretch>
+            <a:fillRect/>
+          </a:stretch>
+        </p:blipFill>
+        <p:spPr>
+          <a:xfrm>
+            <a:off x="2106779" y="4118810"/>
+            <a:ext cx="3743325" cy="2667000"/>
+          </a:xfrm>
+          <a:prstGeom prst="rect">
+            <a:avLst/>
+          </a:prstGeom>
+        </p:spPr>
+      </p:pic>
     </p:spTree>
     <p:extLst>
       <p:ext uri="{BB962C8B-B14F-4D97-AF65-F5344CB8AC3E}">
-        <p14:creationId xmlns:p14="http://schemas.microsoft.com/office/powerpoint/2010/main" val="168625603"/>
+        <p14:creationId xmlns:p14="http://schemas.microsoft.com/office/powerpoint/2010/main" val="4066907551"/>
       </p:ext>
     </p:extLst>
   </p:cSld>
@@ -6860,22 +7259,37 @@
             <p:ph type="title"/>
           </p:nvPr>
         </p:nvSpPr>
-        <p:spPr/>
-        <p:txBody>
-          <a:bodyPr/>
-          <a:lstStyle/>
-          <a:p>
-            <a:r>
-              <a:rPr lang="en-US" dirty="0" smtClean="0"/>
-              <a:t>API Connections</a:t>
-            </a:r>
-            <a:endParaRPr lang="en-US" dirty="0"/>
+        <p:spPr>
+          <a:xfrm>
+            <a:off x="2895600" y="764373"/>
+            <a:ext cx="8610600" cy="976195"/>
+          </a:xfrm>
+        </p:spPr>
+        <p:txBody>
+          <a:bodyPr>
+            <a:normAutofit/>
+          </a:bodyPr>
+          <a:lstStyle/>
+          <a:p>
+            <a:r>
+              <a:rPr lang="en-US" sz="2000" b="1" dirty="0"/>
+              <a:t>Using API to enrich the  data getting more information about the movie &amp; TV Shows such as </a:t>
+            </a:r>
+            <a:r>
+              <a:rPr lang="en-US" sz="2000" b="1" dirty="0" err="1" smtClean="0"/>
+              <a:t>tOP</a:t>
+            </a:r>
+            <a:r>
+              <a:rPr lang="en-US" sz="2000" b="1" dirty="0" smtClean="0"/>
+              <a:t> IMDB ratings, Distribution of Movies vs Genre </a:t>
+            </a:r>
+            <a:endParaRPr lang="en-US" sz="2000" b="1" dirty="0"/>
           </a:p>
         </p:txBody>
       </p:sp>
       <p:pic>
         <p:nvPicPr>
-          <p:cNvPr id="6" name="Content Placeholder 5"/>
+          <p:cNvPr id="4" name="Content Placeholder 3"/>
           <p:cNvPicPr>
             <a:picLocks noGrp="1" noChangeAspect="1"/>
           </p:cNvPicPr>
@@ -6891,8 +7305,8 @@
         </p:blipFill>
         <p:spPr>
           <a:xfrm>
-            <a:off x="334378" y="1870201"/>
-            <a:ext cx="4400550" cy="2409825"/>
+            <a:off x="4924643" y="2314367"/>
+            <a:ext cx="6581557" cy="2963486"/>
           </a:xfrm>
           <a:prstGeom prst="rect">
             <a:avLst/>
@@ -6901,7 +7315,7 @@
       </p:pic>
       <p:pic>
         <p:nvPicPr>
-          <p:cNvPr id="7" name="Picture 6"/>
+          <p:cNvPr id="5" name="Content Placeholder 3"/>
           <p:cNvPicPr>
             <a:picLocks noChangeAspect="1"/>
           </p:cNvPicPr>
@@ -6915,32 +7329,8 @@
         </p:blipFill>
         <p:spPr>
           <a:xfrm>
-            <a:off x="677278" y="4345907"/>
-            <a:ext cx="3714750" cy="2383756"/>
-          </a:xfrm>
-          <a:prstGeom prst="rect">
-            <a:avLst/>
-          </a:prstGeom>
-        </p:spPr>
-      </p:pic>
-      <p:pic>
-        <p:nvPicPr>
-          <p:cNvPr id="8" name="Picture 7"/>
-          <p:cNvPicPr>
-            <a:picLocks noChangeAspect="1"/>
-          </p:cNvPicPr>
-          <p:nvPr/>
-        </p:nvPicPr>
-        <p:blipFill>
-          <a:blip r:embed="rId4"/>
-          <a:stretch>
-            <a:fillRect/>
-          </a:stretch>
-        </p:blipFill>
-        <p:spPr>
-          <a:xfrm>
-            <a:off x="5241506" y="2057401"/>
-            <a:ext cx="3762375" cy="4476750"/>
+            <a:off x="394516" y="1849020"/>
+            <a:ext cx="4280276" cy="4024313"/>
           </a:xfrm>
           <a:prstGeom prst="rect">
             <a:avLst/>
@@ -6950,7 +7340,7 @@
     </p:spTree>
     <p:extLst>
       <p:ext uri="{BB962C8B-B14F-4D97-AF65-F5344CB8AC3E}">
-        <p14:creationId xmlns:p14="http://schemas.microsoft.com/office/powerpoint/2010/main" val="1474321994"/>
+        <p14:creationId xmlns:p14="http://schemas.microsoft.com/office/powerpoint/2010/main" val="2884551007"/>
       </p:ext>
     </p:extLst>
   </p:cSld>
@@ -6989,15 +7379,25 @@
         </p:nvSpPr>
         <p:spPr>
           <a:xfrm>
-            <a:off x="2895600" y="764373"/>
-            <a:ext cx="8610600" cy="1200785"/>
-          </a:xfrm>
-        </p:spPr>
-        <p:txBody>
-          <a:bodyPr/>
-          <a:lstStyle/>
-          <a:p>
-            <a:endParaRPr lang="en-US" dirty="0"/>
+            <a:off x="2887579" y="1147011"/>
+            <a:ext cx="8823158" cy="633663"/>
+          </a:xfrm>
+        </p:spPr>
+        <p:txBody>
+          <a:bodyPr>
+            <a:noAutofit/>
+          </a:bodyPr>
+          <a:lstStyle/>
+          <a:p>
+            <a:r>
+              <a:rPr lang="en-US" sz="2000" b="1" dirty="0"/>
+              <a:t>Using API to enrich the  data getting more information about the movie &amp; TV Shows such as </a:t>
+            </a:r>
+            <a:r>
+              <a:rPr lang="en-US" sz="2000" b="1" dirty="0" smtClean="0"/>
+              <a:t>Content type &amp; Number of Countries</a:t>
+            </a:r>
+            <a:endParaRPr lang="en-US" sz="2000" b="1" dirty="0"/>
           </a:p>
         </p:txBody>
       </p:sp>
@@ -7019,8 +7419,8 @@
         </p:blipFill>
         <p:spPr>
           <a:xfrm>
-            <a:off x="499855" y="2258094"/>
-            <a:ext cx="3590883" cy="3220286"/>
+            <a:off x="312821" y="2258094"/>
+            <a:ext cx="3777917" cy="3220286"/>
           </a:xfrm>
           <a:prstGeom prst="rect">
             <a:avLst/>

--- a/netflix/The era of Netflix.pptx
+++ b/netflix/The era of Netflix.pptx
@@ -15,6 +15,7 @@
     <p:sldId id="267" r:id="rId9"/>
     <p:sldId id="264" r:id="rId10"/>
     <p:sldId id="271" r:id="rId11"/>
+    <p:sldId id="272" r:id="rId12"/>
   </p:sldIdLst>
   <p:sldSz cx="12192000" cy="6858000"/>
   <p:notesSz cx="6858000" cy="9144000"/>
@@ -291,7 +292,7 @@
           <a:p>
             <a:fld id="{48A87A34-81AB-432B-8DAE-1953F412C126}" type="datetimeFigureOut">
               <a:rPr lang="en-US" dirty="0"/>
-              <a:t>11/11/2020</a:t>
+              <a:t>11/12/2020</a:t>
             </a:fld>
             <a:endParaRPr lang="en-US" dirty="0"/>
           </a:p>
@@ -553,7 +554,7 @@
           <a:p>
             <a:fld id="{48A87A34-81AB-432B-8DAE-1953F412C126}" type="datetimeFigureOut">
               <a:rPr lang="en-US" dirty="0"/>
-              <a:t>11/11/2020</a:t>
+              <a:t>11/12/2020</a:t>
             </a:fld>
             <a:endParaRPr lang="en-US" dirty="0"/>
           </a:p>
@@ -780,7 +781,7 @@
             <a:fld id="{48A87A34-81AB-432B-8DAE-1953F412C126}" type="datetimeFigureOut">
               <a:rPr lang="en-US" dirty="0"/>
               <a:pPr/>
-              <a:t>11/11/2020</a:t>
+              <a:t>11/12/2020</a:t>
             </a:fld>
             <a:endParaRPr lang="en-US" dirty="0"/>
           </a:p>
@@ -1086,7 +1087,7 @@
             <a:fld id="{48A87A34-81AB-432B-8DAE-1953F412C126}" type="datetimeFigureOut">
               <a:rPr lang="en-US" dirty="0"/>
               <a:pPr/>
-              <a:t>11/11/2020</a:t>
+              <a:t>11/12/2020</a:t>
             </a:fld>
             <a:endParaRPr lang="en-US" dirty="0"/>
           </a:p>
@@ -1555,7 +1556,7 @@
             <a:fld id="{48A87A34-81AB-432B-8DAE-1953F412C126}" type="datetimeFigureOut">
               <a:rPr lang="en-US" dirty="0"/>
               <a:pPr/>
-              <a:t>11/11/2020</a:t>
+              <a:t>11/12/2020</a:t>
             </a:fld>
             <a:endParaRPr lang="en-US" dirty="0"/>
           </a:p>
@@ -2097,7 +2098,7 @@
           <a:p>
             <a:fld id="{48A87A34-81AB-432B-8DAE-1953F412C126}" type="datetimeFigureOut">
               <a:rPr lang="en-US" dirty="0"/>
-              <a:t>11/11/2020</a:t>
+              <a:t>11/12/2020</a:t>
             </a:fld>
             <a:endParaRPr lang="en-US" dirty="0"/>
           </a:p>
@@ -2866,7 +2867,7 @@
           <a:p>
             <a:fld id="{48A87A34-81AB-432B-8DAE-1953F412C126}" type="datetimeFigureOut">
               <a:rPr lang="en-US" dirty="0"/>
-              <a:t>11/11/2020</a:t>
+              <a:t>11/12/2020</a:t>
             </a:fld>
             <a:endParaRPr lang="en-US" dirty="0"/>
           </a:p>
@@ -3036,7 +3037,7 @@
           <a:p>
             <a:fld id="{48A87A34-81AB-432B-8DAE-1953F412C126}" type="datetimeFigureOut">
               <a:rPr lang="en-US" dirty="0"/>
-              <a:t>11/11/2020</a:t>
+              <a:t>11/12/2020</a:t>
             </a:fld>
             <a:endParaRPr lang="en-US" dirty="0"/>
           </a:p>
@@ -3255,7 +3256,7 @@
             <a:fld id="{48A87A34-81AB-432B-8DAE-1953F412C126}" type="datetimeFigureOut">
               <a:rPr lang="en-US" dirty="0"/>
               <a:pPr/>
-              <a:t>11/11/2020</a:t>
+              <a:t>11/12/2020</a:t>
             </a:fld>
             <a:endParaRPr lang="en-US" dirty="0"/>
           </a:p>
@@ -3430,7 +3431,7 @@
           <a:p>
             <a:fld id="{48A87A34-81AB-432B-8DAE-1953F412C126}" type="datetimeFigureOut">
               <a:rPr lang="en-US" dirty="0"/>
-              <a:t>11/11/2020</a:t>
+              <a:t>11/12/2020</a:t>
             </a:fld>
             <a:endParaRPr lang="en-US" dirty="0"/>
           </a:p>
@@ -3715,7 +3716,7 @@
             <a:fld id="{48A87A34-81AB-432B-8DAE-1953F412C126}" type="datetimeFigureOut">
               <a:rPr lang="en-US" dirty="0"/>
               <a:pPr/>
-              <a:t>11/11/2020</a:t>
+              <a:t>11/12/2020</a:t>
             </a:fld>
             <a:endParaRPr lang="en-US" dirty="0"/>
           </a:p>
@@ -3952,7 +3953,7 @@
           <a:p>
             <a:fld id="{48A87A34-81AB-432B-8DAE-1953F412C126}" type="datetimeFigureOut">
               <a:rPr lang="en-US" dirty="0"/>
-              <a:t>11/11/2020</a:t>
+              <a:t>11/12/2020</a:t>
             </a:fld>
             <a:endParaRPr lang="en-US" dirty="0"/>
           </a:p>
@@ -4326,7 +4327,7 @@
           <a:p>
             <a:fld id="{48A87A34-81AB-432B-8DAE-1953F412C126}" type="datetimeFigureOut">
               <a:rPr lang="en-US" dirty="0"/>
-              <a:t>11/11/2020</a:t>
+              <a:t>11/12/2020</a:t>
             </a:fld>
             <a:endParaRPr lang="en-US" dirty="0"/>
           </a:p>
@@ -4439,7 +4440,7 @@
           <a:p>
             <a:fld id="{48A87A34-81AB-432B-8DAE-1953F412C126}" type="datetimeFigureOut">
               <a:rPr lang="en-US" dirty="0"/>
-              <a:t>11/11/2020</a:t>
+              <a:t>11/12/2020</a:t>
             </a:fld>
             <a:endParaRPr lang="en-US" dirty="0"/>
           </a:p>
@@ -4529,7 +4530,7 @@
           <a:p>
             <a:fld id="{48A87A34-81AB-432B-8DAE-1953F412C126}" type="datetimeFigureOut">
               <a:rPr lang="en-US" dirty="0"/>
-              <a:t>11/11/2020</a:t>
+              <a:t>11/12/2020</a:t>
             </a:fld>
             <a:endParaRPr lang="en-US" dirty="0"/>
           </a:p>
@@ -4773,7 +4774,7 @@
           <a:p>
             <a:fld id="{48A87A34-81AB-432B-8DAE-1953F412C126}" type="datetimeFigureOut">
               <a:rPr lang="en-US" dirty="0"/>
-              <a:t>11/11/2020</a:t>
+              <a:t>11/12/2020</a:t>
             </a:fld>
             <a:endParaRPr lang="en-US" dirty="0"/>
           </a:p>
@@ -5025,7 +5026,7 @@
           <a:p>
             <a:fld id="{48A87A34-81AB-432B-8DAE-1953F412C126}" type="datetimeFigureOut">
               <a:rPr lang="en-US" dirty="0"/>
-              <a:t>11/11/2020</a:t>
+              <a:t>11/12/2020</a:t>
             </a:fld>
             <a:endParaRPr lang="en-US" dirty="0"/>
           </a:p>
@@ -5264,7 +5265,7 @@
             <a:fld id="{48A87A34-81AB-432B-8DAE-1953F412C126}" type="datetimeFigureOut">
               <a:rPr lang="en-US" dirty="0"/>
               <a:pPr/>
-              <a:t>11/11/2020</a:t>
+              <a:t>11/12/2020</a:t>
             </a:fld>
             <a:endParaRPr lang="en-US" dirty="0"/>
           </a:p>
@@ -5701,10 +5702,6 @@
               <a:rPr lang="en-US" dirty="0" smtClean="0"/>
               <a:t>    </a:t>
             </a:r>
-            <a:r>
-              <a:rPr lang="en-US" dirty="0" smtClean="0"/>
-              <a:t/>
-            </a:r>
             <a:br>
               <a:rPr lang="en-US" dirty="0" smtClean="0"/>
             </a:br>
@@ -5759,15 +5756,7 @@
             </a:br>
             <a:r>
               <a:rPr lang="en-US" dirty="0" smtClean="0"/>
-              <a:t>The </a:t>
-            </a:r>
-            <a:r>
-              <a:rPr lang="en-US" dirty="0" smtClean="0"/>
-              <a:t>era of Netflix </a:t>
-            </a:r>
-            <a:r>
-              <a:rPr lang="en-US" dirty="0" smtClean="0"/>
-              <a:t/>
+              <a:t>The era of Netflix </a:t>
             </a:r>
             <a:br>
               <a:rPr lang="en-US" dirty="0" smtClean="0"/>
@@ -5983,8 +5972,13 @@
           <a:p>
             <a:r>
               <a:rPr lang="en-US" dirty="0" smtClean="0"/>
-              <a:t>Missing Data and no access to some resources such as </a:t>
-            </a:r>
+              <a:t>Missing Data and no access to some </a:t>
+            </a:r>
+            <a:r>
+              <a:rPr lang="en-US" dirty="0" smtClean="0"/>
+              <a:t>resources </a:t>
+            </a:r>
+            <a:endParaRPr lang="en-US" dirty="0" smtClean="0"/>
           </a:p>
           <a:p>
             <a:r>
@@ -6104,6 +6098,77 @@
     <p:extLst>
       <p:ext uri="{BB962C8B-B14F-4D97-AF65-F5344CB8AC3E}">
         <p14:creationId xmlns:p14="http://schemas.microsoft.com/office/powerpoint/2010/main" val="2253169575"/>
+      </p:ext>
+    </p:extLst>
+  </p:cSld>
+  <p:clrMapOvr>
+    <a:masterClrMapping/>
+  </p:clrMapOvr>
+  <p:timing>
+    <p:tnLst>
+      <p:par>
+        <p:cTn id="1" dur="indefinite" restart="never" nodeType="tmRoot"/>
+      </p:par>
+    </p:tnLst>
+  </p:timing>
+</p:sld>
+</file>
+
+<file path=ppt/slides/slide11.xml><?xml version="1.0" encoding="utf-8"?>
+<p:sld xmlns:a="http://schemas.openxmlformats.org/drawingml/2006/main" xmlns:r="http://schemas.openxmlformats.org/officeDocument/2006/relationships" xmlns:p="http://schemas.openxmlformats.org/presentationml/2006/main">
+  <p:cSld>
+    <p:spTree>
+      <p:nvGrpSpPr>
+        <p:cNvPr id="1" name=""/>
+        <p:cNvGrpSpPr/>
+        <p:nvPr/>
+      </p:nvGrpSpPr>
+      <p:grpSpPr>
+        <a:xfrm>
+          <a:off x="0" y="0"/>
+          <a:ext cx="0" cy="0"/>
+          <a:chOff x="0" y="0"/>
+          <a:chExt cx="0" cy="0"/>
+        </a:xfrm>
+      </p:grpSpPr>
+      <p:sp>
+        <p:nvSpPr>
+          <p:cNvPr id="2" name="Title 1"/>
+          <p:cNvSpPr>
+            <a:spLocks noGrp="1"/>
+          </p:cNvSpPr>
+          <p:nvPr>
+            <p:ph type="title"/>
+          </p:nvPr>
+        </p:nvSpPr>
+        <p:spPr>
+          <a:xfrm>
+            <a:off x="336884" y="764372"/>
+            <a:ext cx="8526379" cy="5115059"/>
+          </a:xfrm>
+        </p:spPr>
+        <p:txBody>
+          <a:bodyPr>
+            <a:normAutofit/>
+          </a:bodyPr>
+          <a:lstStyle/>
+          <a:p>
+            <a:r>
+              <a:rPr lang="en-US" sz="6000" dirty="0" smtClean="0">
+                <a:latin typeface="Baskerville Old Face" panose="02020602080505020303" pitchFamily="18" charset="0"/>
+              </a:rPr>
+              <a:t>Thank you</a:t>
+            </a:r>
+            <a:endParaRPr lang="en-US" sz="6000" dirty="0">
+              <a:latin typeface="Baskerville Old Face" panose="02020602080505020303" pitchFamily="18" charset="0"/>
+            </a:endParaRPr>
+          </a:p>
+        </p:txBody>
+      </p:sp>
+    </p:spTree>
+    <p:extLst>
+      <p:ext uri="{BB962C8B-B14F-4D97-AF65-F5344CB8AC3E}">
+        <p14:creationId xmlns:p14="http://schemas.microsoft.com/office/powerpoint/2010/main" val="2293102985"/>
       </p:ext>
     </p:extLst>
   </p:cSld>
@@ -6756,6 +6821,13 @@
   <p:clrMapOvr>
     <a:masterClrMapping/>
   </p:clrMapOvr>
+  <p:timing>
+    <p:tnLst>
+      <p:par>
+        <p:cTn id="1" dur="indefinite" restart="never" nodeType="tmRoot"/>
+      </p:par>
+    </p:tnLst>
+  </p:timing>
 </p:sld>
 </file>
 
@@ -6956,6 +7028,13 @@
   <p:clrMapOvr>
     <a:masterClrMapping/>
   </p:clrMapOvr>
+  <p:timing>
+    <p:tnLst>
+      <p:par>
+        <p:cTn id="1" dur="indefinite" restart="never" nodeType="tmRoot"/>
+      </p:par>
+    </p:tnLst>
+  </p:timing>
 </p:sld>
 </file>
 
@@ -7100,6 +7179,13 @@
   <p:clrMapOvr>
     <a:masterClrMapping/>
   </p:clrMapOvr>
+  <p:timing>
+    <p:tnLst>
+      <p:par>
+        <p:cTn id="1" dur="indefinite" restart="never" nodeType="tmRoot"/>
+      </p:par>
+    </p:tnLst>
+  </p:timing>
 </p:sld>
 </file>
 
@@ -7229,6 +7315,13 @@
   <p:clrMapOvr>
     <a:masterClrMapping/>
   </p:clrMapOvr>
+  <p:timing>
+    <p:tnLst>
+      <p:par>
+        <p:cTn id="1" dur="indefinite" restart="never" nodeType="tmRoot"/>
+      </p:par>
+    </p:tnLst>
+  </p:timing>
 </p:sld>
 </file>
 
@@ -7347,6 +7440,13 @@
   <p:clrMapOvr>
     <a:masterClrMapping/>
   </p:clrMapOvr>
+  <p:timing>
+    <p:tnLst>
+      <p:par>
+        <p:cTn id="1" dur="indefinite" restart="never" nodeType="tmRoot"/>
+      </p:par>
+    </p:tnLst>
+  </p:timing>
 </p:sld>
 </file>
 
@@ -7461,6 +7561,13 @@
   <p:clrMapOvr>
     <a:masterClrMapping/>
   </p:clrMapOvr>
+  <p:timing>
+    <p:tnLst>
+      <p:par>
+        <p:cTn id="1" dur="indefinite" restart="never" nodeType="tmRoot"/>
+      </p:par>
+    </p:tnLst>
+  </p:timing>
 </p:sld>
 </file>
 

--- a/netflix/The era of Netflix.pptx
+++ b/netflix/The era of Netflix.pptx
@@ -5972,13 +5972,8 @@
           <a:p>
             <a:r>
               <a:rPr lang="en-US" dirty="0" smtClean="0"/>
-              <a:t>Missing Data and no access to some </a:t>
-            </a:r>
-            <a:r>
-              <a:rPr lang="en-US" dirty="0" smtClean="0"/>
-              <a:t>resources </a:t>
-            </a:r>
-            <a:endParaRPr lang="en-US" dirty="0" smtClean="0"/>
+              <a:t>Missing Data and no access to some resources </a:t>
+            </a:r>
           </a:p>
           <a:p>
             <a:r>
@@ -6175,6 +6170,13 @@
   <p:clrMapOvr>
     <a:masterClrMapping/>
   </p:clrMapOvr>
+  <p:timing>
+    <p:tnLst>
+      <p:par>
+        <p:cTn id="1" dur="indefinite" restart="never" nodeType="tmRoot"/>
+      </p:par>
+    </p:tnLst>
+  </p:timing>
 </p:sld>
 </file>
 
@@ -6243,7 +6245,15 @@
           <a:p>
             <a:r>
               <a:rPr lang="en-US" sz="1600" dirty="0" smtClean="0"/>
-              <a:t>In this project we have analyzed Netflix Movies and TV shows based on their Ratings, Countries, Budgets, and Revenues.</a:t>
+              <a:t>In this project we have analyzed </a:t>
+            </a:r>
+            <a:r>
+              <a:rPr lang="en-US" sz="1600" dirty="0" smtClean="0"/>
+              <a:t>more than 6000 Netflix </a:t>
+            </a:r>
+            <a:r>
+              <a:rPr lang="en-US" sz="1600" dirty="0" smtClean="0"/>
+              <a:t>Movies and TV shows based on their Ratings, Countries, Budgets, and Revenues.</a:t>
             </a:r>
           </a:p>
           <a:p>
@@ -6557,21 +6567,19 @@
           <a:p>
             <a:r>
               <a:rPr lang="en-US" sz="1800" dirty="0" smtClean="0"/>
-              <a:t>Network </a:t>
+              <a:t>Is </a:t>
             </a:r>
             <a:r>
               <a:rPr lang="en-US" sz="1800" dirty="0"/>
-              <a:t>analysis of Actors / Directors and find interesting insights</a:t>
-            </a:r>
-          </a:p>
-          <a:p>
+              <a:t>Netflix has increasingly focusing on TV </a:t>
+            </a:r>
             <a:r>
               <a:rPr lang="en-US" sz="1800" dirty="0" smtClean="0"/>
-              <a:t>Is </a:t>
+              <a:t>Shows rather </a:t>
             </a:r>
             <a:r>
               <a:rPr lang="en-US" sz="1800" dirty="0"/>
-              <a:t>Netflix has increasingly focusing on TV rather than movies in recent </a:t>
+              <a:t>than movies in recent </a:t>
             </a:r>
             <a:r>
               <a:rPr lang="en-US" sz="1800" dirty="0" smtClean="0"/>
@@ -7225,7 +7233,15 @@
           <a:p>
             <a:r>
               <a:rPr lang="en-US" sz="2000" b="1" dirty="0"/>
-              <a:t>Using API to enrich the  data getting more information about the movie &amp; TV Shows such as Reviews, and Budget</a:t>
+              <a:t>Using API to enrich the  data getting more information about the movie &amp; TV Shows such as </a:t>
+            </a:r>
+            <a:r>
+              <a:rPr lang="en-US" sz="2000" b="1" dirty="0" smtClean="0"/>
+              <a:t>Revenue, </a:t>
+            </a:r>
+            <a:r>
+              <a:rPr lang="en-US" sz="2000" b="1" dirty="0"/>
+              <a:t>and Budget</a:t>
             </a:r>
             <a:endParaRPr lang="en-US" sz="2000" dirty="0"/>
           </a:p>
@@ -7491,7 +7507,15 @@
           <a:p>
             <a:r>
               <a:rPr lang="en-US" sz="2000" b="1" dirty="0"/>
-              <a:t>Using API to enrich the  data getting more information about the movie &amp; TV Shows such as </a:t>
+              <a:t>Using API to enrich the  data getting more information about the </a:t>
+            </a:r>
+            <a:r>
+              <a:rPr lang="en-US" sz="2000" b="1" dirty="0" smtClean="0"/>
+              <a:t> TV Shows </a:t>
+            </a:r>
+            <a:r>
+              <a:rPr lang="en-US" sz="2000" b="1" dirty="0"/>
+              <a:t>such as </a:t>
             </a:r>
             <a:r>
               <a:rPr lang="en-US" sz="2000" b="1" dirty="0" smtClean="0"/>
